--- a/docs/slides/PSYC753_Chris2.pptx
+++ b/docs/slides/PSYC753_Chris2.pptx
@@ -16,8 +16,8 @@
     <p:sldId id="494" r:id="rId7"/>
     <p:sldId id="500" r:id="rId8"/>
     <p:sldId id="525" r:id="rId9"/>
-    <p:sldId id="520" r:id="rId10"/>
-    <p:sldId id="539" r:id="rId11"/>
+    <p:sldId id="539" r:id="rId10"/>
+    <p:sldId id="520" r:id="rId11"/>
     <p:sldId id="540" r:id="rId12"/>
     <p:sldId id="529" r:id="rId13"/>
     <p:sldId id="531" r:id="rId14"/>
@@ -524,7 +524,7 @@
               <a:pPr>
                 <a:defRPr/>
               </a:pPr>
-              <a:t>05/11/2020</a:t>
+              <a:t>14/11/2020</a:t>
             </a:fld>
             <a:endParaRPr lang="en-GB"/>
           </a:p>
@@ -1543,7 +1543,7 @@
               <a:pPr>
                 <a:defRPr/>
               </a:pPr>
-              <a:t>11/5/2020</a:t>
+              <a:t>11/14/2020</a:t>
             </a:fld>
             <a:endParaRPr lang="en-US"/>
           </a:p>
@@ -1740,7 +1740,7 @@
               <a:pPr>
                 <a:defRPr/>
               </a:pPr>
-              <a:t>11/5/2020</a:t>
+              <a:t>11/14/2020</a:t>
             </a:fld>
             <a:endParaRPr lang="en-US"/>
           </a:p>
@@ -1947,7 +1947,7 @@
               <a:pPr>
                 <a:defRPr/>
               </a:pPr>
-              <a:t>11/5/2020</a:t>
+              <a:t>11/14/2020</a:t>
             </a:fld>
             <a:endParaRPr lang="en-US"/>
           </a:p>
@@ -2162,7 +2162,7 @@
               <a:pPr>
                 <a:defRPr/>
               </a:pPr>
-              <a:t>05/11/2020</a:t>
+              <a:t>14/11/2020</a:t>
             </a:fld>
             <a:endParaRPr lang="en-GB"/>
           </a:p>
@@ -2347,7 +2347,7 @@
               <a:pPr>
                 <a:defRPr/>
               </a:pPr>
-              <a:t>05/11/2020</a:t>
+              <a:t>14/11/2020</a:t>
             </a:fld>
             <a:endParaRPr lang="en-GB"/>
           </a:p>
@@ -2608,7 +2608,7 @@
               <a:pPr>
                 <a:defRPr/>
               </a:pPr>
-              <a:t>05/11/2020</a:t>
+              <a:t>14/11/2020</a:t>
             </a:fld>
             <a:endParaRPr lang="en-GB"/>
           </a:p>
@@ -2855,7 +2855,7 @@
               <a:pPr>
                 <a:defRPr/>
               </a:pPr>
-              <a:t>05/11/2020</a:t>
+              <a:t>14/11/2020</a:t>
             </a:fld>
             <a:endParaRPr lang="en-GB"/>
           </a:p>
@@ -3237,7 +3237,7 @@
               <a:pPr>
                 <a:defRPr/>
               </a:pPr>
-              <a:t>05/11/2020</a:t>
+              <a:t>14/11/2020</a:t>
             </a:fld>
             <a:endParaRPr lang="en-GB"/>
           </a:p>
@@ -3370,7 +3370,7 @@
               <a:pPr>
                 <a:defRPr/>
               </a:pPr>
-              <a:t>05/11/2020</a:t>
+              <a:t>14/11/2020</a:t>
             </a:fld>
             <a:endParaRPr lang="en-GB"/>
           </a:p>
@@ -3480,7 +3480,7 @@
               <a:pPr>
                 <a:defRPr/>
               </a:pPr>
-              <a:t>05/11/2020</a:t>
+              <a:t>14/11/2020</a:t>
             </a:fld>
             <a:endParaRPr lang="en-GB"/>
           </a:p>
@@ -3772,7 +3772,7 @@
               <a:pPr>
                 <a:defRPr/>
               </a:pPr>
-              <a:t>05/11/2020</a:t>
+              <a:t>14/11/2020</a:t>
             </a:fld>
             <a:endParaRPr lang="en-GB"/>
           </a:p>
@@ -3961,7 +3961,7 @@
               <a:pPr>
                 <a:defRPr/>
               </a:pPr>
-              <a:t>11/5/2020</a:t>
+              <a:t>11/14/2020</a:t>
             </a:fld>
             <a:endParaRPr lang="en-US"/>
           </a:p>
@@ -4241,7 +4241,7 @@
               <a:pPr>
                 <a:defRPr/>
               </a:pPr>
-              <a:t>05/11/2020</a:t>
+              <a:t>14/11/2020</a:t>
             </a:fld>
             <a:endParaRPr lang="en-GB"/>
           </a:p>
@@ -4426,7 +4426,7 @@
               <a:pPr>
                 <a:defRPr/>
               </a:pPr>
-              <a:t>05/11/2020</a:t>
+              <a:t>14/11/2020</a:t>
             </a:fld>
             <a:endParaRPr lang="en-GB"/>
           </a:p>
@@ -4621,7 +4621,7 @@
               <a:pPr>
                 <a:defRPr/>
               </a:pPr>
-              <a:t>05/11/2020</a:t>
+              <a:t>14/11/2020</a:t>
             </a:fld>
             <a:endParaRPr lang="en-GB"/>
           </a:p>
@@ -4842,7 +4842,7 @@
               <a:pPr>
                 <a:defRPr/>
               </a:pPr>
-              <a:t>05/11/2020</a:t>
+              <a:t>14/11/2020</a:t>
             </a:fld>
             <a:endParaRPr lang="en-GB"/>
           </a:p>
@@ -5057,7 +5057,7 @@
               <a:pPr>
                 <a:defRPr/>
               </a:pPr>
-              <a:t>05/11/2020</a:t>
+              <a:t>14/11/2020</a:t>
             </a:fld>
             <a:endParaRPr lang="en-GB"/>
           </a:p>
@@ -5242,7 +5242,7 @@
               <a:pPr>
                 <a:defRPr/>
               </a:pPr>
-              <a:t>05/11/2020</a:t>
+              <a:t>14/11/2020</a:t>
             </a:fld>
             <a:endParaRPr lang="en-GB"/>
           </a:p>
@@ -5503,7 +5503,7 @@
               <a:pPr>
                 <a:defRPr/>
               </a:pPr>
-              <a:t>05/11/2020</a:t>
+              <a:t>14/11/2020</a:t>
             </a:fld>
             <a:endParaRPr lang="en-GB"/>
           </a:p>
@@ -5750,7 +5750,7 @@
               <a:pPr>
                 <a:defRPr/>
               </a:pPr>
-              <a:t>05/11/2020</a:t>
+              <a:t>14/11/2020</a:t>
             </a:fld>
             <a:endParaRPr lang="en-GB"/>
           </a:p>
@@ -6132,7 +6132,7 @@
               <a:pPr>
                 <a:defRPr/>
               </a:pPr>
-              <a:t>05/11/2020</a:t>
+              <a:t>14/11/2020</a:t>
             </a:fld>
             <a:endParaRPr lang="en-GB"/>
           </a:p>
@@ -6265,7 +6265,7 @@
               <a:pPr>
                 <a:defRPr/>
               </a:pPr>
-              <a:t>05/11/2020</a:t>
+              <a:t>14/11/2020</a:t>
             </a:fld>
             <a:endParaRPr lang="en-GB"/>
           </a:p>
@@ -6530,7 +6530,7 @@
               <a:pPr>
                 <a:defRPr/>
               </a:pPr>
-              <a:t>11/5/2020</a:t>
+              <a:t>11/14/2020</a:t>
             </a:fld>
             <a:endParaRPr lang="en-US"/>
           </a:p>
@@ -6648,7 +6648,7 @@
               <a:pPr>
                 <a:defRPr/>
               </a:pPr>
-              <a:t>05/11/2020</a:t>
+              <a:t>14/11/2020</a:t>
             </a:fld>
             <a:endParaRPr lang="en-GB"/>
           </a:p>
@@ -6940,7 +6940,7 @@
               <a:pPr>
                 <a:defRPr/>
               </a:pPr>
-              <a:t>05/11/2020</a:t>
+              <a:t>14/11/2020</a:t>
             </a:fld>
             <a:endParaRPr lang="en-GB"/>
           </a:p>
@@ -7212,7 +7212,7 @@
               <a:pPr>
                 <a:defRPr/>
               </a:pPr>
-              <a:t>05/11/2020</a:t>
+              <a:t>14/11/2020</a:t>
             </a:fld>
             <a:endParaRPr lang="en-GB"/>
           </a:p>
@@ -7397,7 +7397,7 @@
               <a:pPr>
                 <a:defRPr/>
               </a:pPr>
-              <a:t>05/11/2020</a:t>
+              <a:t>14/11/2020</a:t>
             </a:fld>
             <a:endParaRPr lang="en-GB"/>
           </a:p>
@@ -7592,7 +7592,7 @@
               <a:pPr>
                 <a:defRPr/>
               </a:pPr>
-              <a:t>05/11/2020</a:t>
+              <a:t>14/11/2020</a:t>
             </a:fld>
             <a:endParaRPr lang="en-GB"/>
           </a:p>
@@ -7899,7 +7899,7 @@
               <a:pPr>
                 <a:defRPr/>
               </a:pPr>
-              <a:t>11/5/2020</a:t>
+              <a:t>11/14/2020</a:t>
             </a:fld>
             <a:endParaRPr lang="en-US"/>
           </a:p>
@@ -8348,7 +8348,7 @@
               <a:pPr>
                 <a:defRPr/>
               </a:pPr>
-              <a:t>11/5/2020</a:t>
+              <a:t>11/14/2020</a:t>
             </a:fld>
             <a:endParaRPr lang="en-US"/>
           </a:p>
@@ -8493,7 +8493,7 @@
               <a:pPr>
                 <a:defRPr/>
               </a:pPr>
-              <a:t>11/5/2020</a:t>
+              <a:t>11/14/2020</a:t>
             </a:fld>
             <a:endParaRPr lang="en-US"/>
           </a:p>
@@ -8615,7 +8615,7 @@
               <a:pPr>
                 <a:defRPr/>
               </a:pPr>
-              <a:t>11/5/2020</a:t>
+              <a:t>11/14/2020</a:t>
             </a:fld>
             <a:endParaRPr lang="en-US"/>
           </a:p>
@@ -8919,7 +8919,7 @@
               <a:pPr>
                 <a:defRPr/>
               </a:pPr>
-              <a:t>11/5/2020</a:t>
+              <a:t>11/14/2020</a:t>
             </a:fld>
             <a:endParaRPr lang="en-US"/>
           </a:p>
@@ -9202,7 +9202,7 @@
               <a:pPr>
                 <a:defRPr/>
               </a:pPr>
-              <a:t>11/5/2020</a:t>
+              <a:t>11/14/2020</a:t>
             </a:fld>
             <a:endParaRPr lang="en-US"/>
           </a:p>
@@ -9490,7 +9490,7 @@
               <a:pPr>
                 <a:defRPr/>
               </a:pPr>
-              <a:t>11/5/2020</a:t>
+              <a:t>11/14/2020</a:t>
             </a:fld>
             <a:endParaRPr lang="en-US"/>
           </a:p>
@@ -10140,7 +10140,7 @@
               <a:pPr>
                 <a:defRPr/>
               </a:pPr>
-              <a:t>05/11/2020</a:t>
+              <a:t>14/11/2020</a:t>
             </a:fld>
             <a:endParaRPr lang="en-GB"/>
           </a:p>
@@ -10697,7 +10697,7 @@
               <a:pPr>
                 <a:defRPr/>
               </a:pPr>
-              <a:t>11/5/2020</a:t>
+              <a:t>11/14/2020</a:t>
             </a:fld>
             <a:endParaRPr lang="en-US"/>
           </a:p>
@@ -11730,8 +11730,8 @@
         </p:nvSpPr>
         <p:spPr>
           <a:xfrm>
-            <a:off x="2217738" y="434976"/>
-            <a:ext cx="5213350" cy="1077913"/>
+            <a:off x="1754497" y="328843"/>
+            <a:ext cx="8584581" cy="584775"/>
           </a:xfrm>
           <a:prstGeom prst="rect">
             <a:avLst/>
@@ -11739,7 +11739,7 @@
           <a:noFill/>
         </p:spPr>
         <p:txBody>
-          <a:bodyPr wrap="none">
+          <a:bodyPr wrap="square">
             <a:spAutoFit/>
           </a:bodyPr>
           <a:lstStyle/>
@@ -11772,16 +11772,17 @@
                 </a:solidFill>
                 <a:latin typeface="+mj-lt"/>
               </a:rPr>
-              <a:t>-statistic (ANOVA) </a:t>
-            </a:r>
-            <a:br>
-              <a:rPr lang="en-GB" b="1" dirty="0">
+              <a:t>-statistic (</a:t>
+            </a:r>
+            <a:r>
+              <a:rPr lang="en-GB" b="1" dirty="0" smtClean="0">
                 <a:solidFill>
                   <a:schemeClr val="tx1"/>
                 </a:solidFill>
                 <a:latin typeface="+mj-lt"/>
               </a:rPr>
-            </a:br>
+              <a:t>ANOVA) to </a:t>
+            </a:r>
             <a:r>
               <a:rPr lang="en-GB" b="1" dirty="0">
                 <a:solidFill>
@@ -11789,7 +11790,7 @@
                 </a:solidFill>
                 <a:latin typeface="+mj-lt"/>
               </a:rPr>
-              <a:t>to compare models</a:t>
+              <a:t>compare models</a:t>
             </a:r>
           </a:p>
         </p:txBody>
@@ -11802,8 +11803,8 @@
         </p:nvSpPr>
         <p:spPr>
           <a:xfrm>
-            <a:off x="2070100" y="5108576"/>
-            <a:ext cx="7823200" cy="830263"/>
+            <a:off x="1791129" y="5108576"/>
+            <a:ext cx="8530741" cy="830997"/>
           </a:xfrm>
           <a:prstGeom prst="rect">
             <a:avLst/>
@@ -11811,7 +11812,7 @@
           <a:noFill/>
         </p:spPr>
         <p:txBody>
-          <a:bodyPr>
+          <a:bodyPr wrap="square">
             <a:spAutoFit/>
           </a:bodyPr>
           <a:lstStyle/>
@@ -11822,13 +11823,22 @@
               <a:defRPr/>
             </a:pPr>
             <a:r>
-              <a:rPr lang="en-GB" sz="2400" dirty="0">
+              <a:rPr lang="en-GB" sz="2400" dirty="0" smtClean="0">
                 <a:solidFill>
                   <a:schemeClr val="tx1"/>
                 </a:solidFill>
                 <a:latin typeface="+mj-lt"/>
               </a:rPr>
-              <a:t>ANOVA asks: </a:t>
+              <a:t>The ANOVA </a:t>
+            </a:r>
+            <a:r>
+              <a:rPr lang="en-GB" sz="2400" dirty="0">
+                <a:solidFill>
+                  <a:schemeClr val="tx1"/>
+                </a:solidFill>
+                <a:latin typeface="+mj-lt"/>
+              </a:rPr>
+              <a:t>asks: </a:t>
             </a:r>
             <a:r>
               <a:rPr lang="en-GB" sz="2400" b="1" dirty="0">
@@ -12324,6 +12334,65 @@
               <a:defRPr/>
             </a:pPr>
             <a:endParaRPr lang="en-GB"/>
+          </a:p>
+        </p:txBody>
+      </p:sp>
+      <p:sp>
+        <p:nvSpPr>
+          <p:cNvPr id="13" name="TextBox 12"/>
+          <p:cNvSpPr txBox="1"/>
+          <p:nvPr/>
+        </p:nvSpPr>
+        <p:spPr>
+          <a:xfrm>
+            <a:off x="4220505" y="992318"/>
+            <a:ext cx="3658877" cy="400110"/>
+          </a:xfrm>
+          <a:prstGeom prst="rect">
+            <a:avLst/>
+          </a:prstGeom>
+          <a:solidFill>
+            <a:schemeClr val="bg1">
+              <a:lumMod val="85000"/>
+            </a:schemeClr>
+          </a:solidFill>
+        </p:spPr>
+        <p:txBody>
+          <a:bodyPr wrap="square">
+            <a:spAutoFit/>
+          </a:bodyPr>
+          <a:lstStyle/>
+          <a:p>
+            <a:pPr algn="ctr">
+              <a:defRPr/>
+            </a:pPr>
+            <a:r>
+              <a:rPr lang="en-GB" sz="2000" b="1" dirty="0" err="1" smtClean="0">
+                <a:solidFill>
+                  <a:schemeClr val="tx1"/>
+                </a:solidFill>
+                <a:latin typeface="Courier New" panose="02070309020205020404" pitchFamily="49" charset="0"/>
+                <a:cs typeface="Courier New" panose="02070309020205020404" pitchFamily="49" charset="0"/>
+              </a:rPr>
+              <a:t>anova</a:t>
+            </a:r>
+            <a:r>
+              <a:rPr lang="en-GB" sz="2000" b="1" dirty="0" smtClean="0">
+                <a:solidFill>
+                  <a:schemeClr val="tx1"/>
+                </a:solidFill>
+                <a:latin typeface="Courier New" panose="02070309020205020404" pitchFamily="49" charset="0"/>
+                <a:cs typeface="Courier New" panose="02070309020205020404" pitchFamily="49" charset="0"/>
+              </a:rPr>
+              <a:t>(model1, model2)</a:t>
+            </a:r>
+            <a:endParaRPr lang="en-GB" sz="2000" b="1" dirty="0">
+              <a:solidFill>
+                <a:schemeClr val="tx1"/>
+              </a:solidFill>
+              <a:latin typeface="Courier New" panose="02070309020205020404" pitchFamily="49" charset="0"/>
+              <a:cs typeface="Courier New" panose="02070309020205020404" pitchFamily="49" charset="0"/>
+            </a:endParaRPr>
           </a:p>
         </p:txBody>
       </p:sp>
@@ -12836,8 +12905,8 @@
         </p:nvSpPr>
         <p:spPr>
           <a:xfrm>
-            <a:off x="2082800" y="4654550"/>
-            <a:ext cx="7823200" cy="1570038"/>
+            <a:off x="1664349" y="4654550"/>
+            <a:ext cx="8766015" cy="1569660"/>
           </a:xfrm>
           <a:prstGeom prst="rect">
             <a:avLst/>
@@ -12845,7 +12914,7 @@
           <a:noFill/>
         </p:spPr>
         <p:txBody>
-          <a:bodyPr>
+          <a:bodyPr wrap="square">
             <a:spAutoFit/>
           </a:bodyPr>
           <a:lstStyle/>
@@ -12868,31 +12937,36 @@
               <a:buChar char="•"/>
               <a:defRPr/>
             </a:pPr>
-            <a:r>
-              <a:rPr lang="en-GB" sz="2400" dirty="0">
+            <a:endParaRPr lang="en-GB" sz="2400" b="1" dirty="0" smtClean="0">
+              <a:solidFill>
+                <a:schemeClr val="tx1"/>
+              </a:solidFill>
+              <a:latin typeface="+mj-lt"/>
+            </a:endParaRPr>
+          </a:p>
+          <a:p>
+            <a:pPr marL="457200" indent="-457200">
+              <a:buFont typeface="Arial" panose="020B0604020202020204" pitchFamily="34" charset="0"/>
+              <a:buChar char="•"/>
+              <a:defRPr/>
+            </a:pPr>
+            <a:r>
+              <a:rPr lang="en-GB" sz="2400" b="1" dirty="0" smtClean="0">
                 <a:solidFill>
                   <a:schemeClr val="tx1"/>
                 </a:solidFill>
                 <a:latin typeface="+mj-lt"/>
               </a:rPr>
-              <a:t>ANOVA asks: </a:t>
-            </a:r>
-            <a:br>
-              <a:rPr lang="en-GB" sz="2400" dirty="0">
+              <a:t>Asks: Is </a:t>
+            </a:r>
+            <a:r>
+              <a:rPr lang="en-GB" sz="2400" b="1" dirty="0">
                 <a:solidFill>
                   <a:schemeClr val="tx1"/>
                 </a:solidFill>
                 <a:latin typeface="+mj-lt"/>
               </a:rPr>
-            </a:br>
-            <a:r>
-              <a:rPr lang="en-GB" sz="2400" b="1" dirty="0">
-                <a:solidFill>
-                  <a:schemeClr val="tx1"/>
-                </a:solidFill>
-                <a:latin typeface="+mj-lt"/>
-              </a:rPr>
-              <a:t>Is the increase in R</a:t>
+              <a:t>the increase in R</a:t>
             </a:r>
             <a:r>
               <a:rPr lang="en-GB" sz="2400" b="1" baseline="30000" dirty="0">
@@ -13509,6 +13583,65 @@
                 <a:schemeClr val="tx1"/>
               </a:solidFill>
               <a:latin typeface="+mj-lt"/>
+            </a:endParaRPr>
+          </a:p>
+        </p:txBody>
+      </p:sp>
+      <p:sp>
+        <p:nvSpPr>
+          <p:cNvPr id="17" name="TextBox 16"/>
+          <p:cNvSpPr txBox="1"/>
+          <p:nvPr/>
+        </p:nvSpPr>
+        <p:spPr>
+          <a:xfrm>
+            <a:off x="2154393" y="4989512"/>
+            <a:ext cx="3658877" cy="400110"/>
+          </a:xfrm>
+          <a:prstGeom prst="rect">
+            <a:avLst/>
+          </a:prstGeom>
+          <a:solidFill>
+            <a:schemeClr val="bg1">
+              <a:lumMod val="85000"/>
+            </a:schemeClr>
+          </a:solidFill>
+        </p:spPr>
+        <p:txBody>
+          <a:bodyPr wrap="square">
+            <a:spAutoFit/>
+          </a:bodyPr>
+          <a:lstStyle/>
+          <a:p>
+            <a:pPr algn="ctr">
+              <a:defRPr/>
+            </a:pPr>
+            <a:r>
+              <a:rPr lang="en-GB" sz="2000" b="1" dirty="0" err="1" smtClean="0">
+                <a:solidFill>
+                  <a:schemeClr val="tx1"/>
+                </a:solidFill>
+                <a:latin typeface="Courier New" panose="02070309020205020404" pitchFamily="49" charset="0"/>
+                <a:cs typeface="Courier New" panose="02070309020205020404" pitchFamily="49" charset="0"/>
+              </a:rPr>
+              <a:t>anova</a:t>
+            </a:r>
+            <a:r>
+              <a:rPr lang="en-GB" sz="2000" b="1" dirty="0" smtClean="0">
+                <a:solidFill>
+                  <a:schemeClr val="tx1"/>
+                </a:solidFill>
+                <a:latin typeface="Courier New" panose="02070309020205020404" pitchFamily="49" charset="0"/>
+                <a:cs typeface="Courier New" panose="02070309020205020404" pitchFamily="49" charset="0"/>
+              </a:rPr>
+              <a:t>(model2, model3)</a:t>
+            </a:r>
+            <a:endParaRPr lang="en-GB" sz="2000" b="1" dirty="0">
+              <a:solidFill>
+                <a:schemeClr val="tx1"/>
+              </a:solidFill>
+              <a:latin typeface="Courier New" panose="02070309020205020404" pitchFamily="49" charset="0"/>
+              <a:cs typeface="Courier New" panose="02070309020205020404" pitchFamily="49" charset="0"/>
             </a:endParaRPr>
           </a:p>
         </p:txBody>
@@ -13983,19 +14116,19 @@
                     </p:cTn>
                   </p:par>
                   <p:par>
-                    <p:cTn id="43" fill="hold" nodeType="clickPar">
+                    <p:cTn id="43" fill="hold">
                       <p:stCondLst>
                         <p:cond delay="indefinite"/>
                       </p:stCondLst>
                       <p:childTnLst>
                         <p:par>
-                          <p:cTn id="44" fill="hold" nodeType="withGroup">
+                          <p:cTn id="44" fill="hold">
                             <p:stCondLst>
                               <p:cond delay="0"/>
                             </p:stCondLst>
                             <p:childTnLst>
                               <p:par>
-                                <p:cTn id="45" presetID="10" presetClass="entr" presetSubtype="0" fill="hold" grpId="0" nodeType="clickEffect">
+                                <p:cTn id="45" presetID="1" presetClass="entr" presetSubtype="0" fill="hold" grpId="0" nodeType="clickEffect">
                                   <p:stCondLst>
                                     <p:cond delay="0"/>
                                   </p:stCondLst>
@@ -14003,6 +14136,51 @@
                                     <p:set>
                                       <p:cBhvr>
                                         <p:cTn id="46" dur="1" fill="hold">
+                                          <p:stCondLst>
+                                            <p:cond delay="0"/>
+                                          </p:stCondLst>
+                                        </p:cTn>
+                                        <p:tgtEl>
+                                          <p:spTgt spid="17"/>
+                                        </p:tgtEl>
+                                        <p:attrNameLst>
+                                          <p:attrName>style.visibility</p:attrName>
+                                        </p:attrNameLst>
+                                      </p:cBhvr>
+                                      <p:to>
+                                        <p:strVal val="visible"/>
+                                      </p:to>
+                                    </p:set>
+                                  </p:childTnLst>
+                                </p:cTn>
+                              </p:par>
+                            </p:childTnLst>
+                          </p:cTn>
+                        </p:par>
+                      </p:childTnLst>
+                    </p:cTn>
+                  </p:par>
+                  <p:par>
+                    <p:cTn id="47" fill="hold" nodeType="clickPar">
+                      <p:stCondLst>
+                        <p:cond delay="indefinite"/>
+                      </p:stCondLst>
+                      <p:childTnLst>
+                        <p:par>
+                          <p:cTn id="48" fill="hold" nodeType="withGroup">
+                            <p:stCondLst>
+                              <p:cond delay="0"/>
+                            </p:stCondLst>
+                            <p:childTnLst>
+                              <p:par>
+                                <p:cTn id="49" presetID="10" presetClass="entr" presetSubtype="0" fill="hold" grpId="0" nodeType="clickEffect">
+                                  <p:stCondLst>
+                                    <p:cond delay="0"/>
+                                  </p:stCondLst>
+                                  <p:childTnLst>
+                                    <p:set>
+                                      <p:cBhvr>
+                                        <p:cTn id="50" dur="1" fill="hold">
                                           <p:stCondLst>
                                             <p:cond delay="0"/>
                                           </p:stCondLst>
@@ -14020,7 +14198,7 @@
                                     </p:set>
                                     <p:animEffect transition="in" filter="fade">
                                       <p:cBhvr>
-                                        <p:cTn id="47" dur="500"/>
+                                        <p:cTn id="51" dur="500"/>
                                         <p:tgtEl>
                                           <p:spTgt spid="23"/>
                                         </p:tgtEl>
@@ -14070,6 +14248,7 @@
       <p:bldP spid="50" grpId="0" animBg="1"/>
       <p:bldP spid="51" grpId="0"/>
       <p:bldP spid="52" grpId="0"/>
+      <p:bldP spid="17" grpId="0" animBg="1"/>
     </p:bldLst>
   </p:timing>
 </p:sld>
@@ -14104,7 +14283,7 @@
         </p:nvSpPr>
         <p:spPr>
           <a:xfrm>
-            <a:off x="1981200" y="1016000"/>
+            <a:off x="1854200" y="611982"/>
             <a:ext cx="8229600" cy="579438"/>
           </a:xfrm>
         </p:spPr>
@@ -14113,13 +14292,29 @@
           <a:lstStyle/>
           <a:p>
             <a:r>
-              <a:rPr lang="en-GB" altLang="en-US" smtClean="0"/>
-              <a:t>Example: Snefjella &amp; Kuperman (2016)</a:t>
+              <a:rPr lang="en-GB" altLang="en-US" dirty="0" smtClean="0"/>
+              <a:t>Example: </a:t>
+            </a:r>
+            <a:r>
+              <a:rPr lang="en-GB" altLang="en-US" dirty="0" err="1" smtClean="0"/>
+              <a:t>Snefjella</a:t>
+            </a:r>
+            <a:r>
+              <a:rPr lang="en-GB" altLang="en-US" dirty="0" smtClean="0"/>
+              <a:t> &amp; </a:t>
+            </a:r>
+            <a:r>
+              <a:rPr lang="en-GB" altLang="en-US" dirty="0" err="1" smtClean="0"/>
+              <a:t>Kuperman</a:t>
+            </a:r>
+            <a:r>
+              <a:rPr lang="en-GB" altLang="en-US" dirty="0" smtClean="0"/>
+              <a:t> (2016)</a:t>
             </a:r>
             <a:br>
-              <a:rPr lang="en-GB" altLang="en-US" smtClean="0"/>
+              <a:rPr lang="en-GB" altLang="en-US" dirty="0" smtClean="0"/>
             </a:br>
-            <a:endParaRPr lang="en-GB" altLang="en-US" smtClean="0"/>
+            <a:endParaRPr lang="en-GB" altLang="en-US" dirty="0" smtClean="0"/>
           </a:p>
         </p:txBody>
       </p:sp>
@@ -14135,7 +14330,7 @@
         </p:nvSpPr>
         <p:spPr>
           <a:xfrm>
-            <a:off x="1854200" y="1706563"/>
+            <a:off x="1826904" y="1277846"/>
             <a:ext cx="8483600" cy="1744662"/>
           </a:xfrm>
         </p:spPr>
@@ -14144,7 +14339,7 @@
           <a:lstStyle/>
           <a:p>
             <a:r>
-              <a:rPr lang="en-GB" altLang="en-US" sz="2000" b="1">
+              <a:rPr lang="en-GB" altLang="en-US" sz="2000" b="1" dirty="0">
                 <a:solidFill>
                   <a:schemeClr val="tx2"/>
                 </a:solidFill>
@@ -14154,21 +14349,21 @@
           </a:p>
           <a:p>
             <a:r>
-              <a:rPr lang="en-GB" altLang="en-US" sz="2000"/>
+              <a:rPr lang="en-GB" altLang="en-US" sz="2000" dirty="0"/>
               <a:t>Do contextual variables predict memory over an above established variables?</a:t>
             </a:r>
           </a:p>
           <a:p>
             <a:pPr lvl="1"/>
             <a:r>
-              <a:rPr lang="en-GB" altLang="en-US" sz="2000"/>
+              <a:rPr lang="en-GB" altLang="en-US" sz="2000" dirty="0"/>
               <a:t>Model 1 contains predictors known to explain memory</a:t>
             </a:r>
           </a:p>
           <a:p>
             <a:pPr lvl="1"/>
             <a:r>
-              <a:rPr lang="en-GB" altLang="en-US" sz="2000"/>
+              <a:rPr lang="en-GB" altLang="en-US" sz="2000" dirty="0"/>
               <a:t>Model 2 contains new predictors</a:t>
             </a:r>
           </a:p>
@@ -14226,8 +14421,8 @@
         </p:blipFill>
         <p:spPr bwMode="auto">
           <a:xfrm>
-            <a:off x="1511300" y="3457576"/>
-            <a:ext cx="9513888" cy="1425575"/>
+            <a:off x="0" y="2833167"/>
+            <a:ext cx="12277642" cy="1839700"/>
           </a:xfrm>
           <a:prstGeom prst="rect">
             <a:avLst/>
@@ -14267,35 +14462,22 @@
         </p:nvSpPr>
         <p:spPr bwMode="auto">
           <a:xfrm>
-            <a:off x="1854200" y="5334000"/>
-            <a:ext cx="8229600" cy="857250"/>
+            <a:off x="2878505" y="5175935"/>
+            <a:ext cx="6358484" cy="857250"/>
           </a:xfrm>
           <a:prstGeom prst="rect">
             <a:avLst/>
           </a:prstGeom>
-          <a:noFill/>
+          <a:solidFill>
+            <a:schemeClr val="accent6">
+              <a:lumMod val="40000"/>
+              <a:lumOff val="60000"/>
+            </a:schemeClr>
+          </a:solidFill>
           <a:ln>
             <a:noFill/>
           </a:ln>
-          <a:extLst>
-            <a:ext uri="{909E8E84-426E-40DD-AFC4-6F175D3DCCD1}">
-              <a14:hiddenFill xmlns:a14="http://schemas.microsoft.com/office/drawing/2010/main">
-                <a:solidFill>
-                  <a:srgbClr val="FFFFFF"/>
-                </a:solidFill>
-              </a14:hiddenFill>
-            </a:ext>
-            <a:ext uri="{91240B29-F687-4F45-9708-019B960494DF}">
-              <a14:hiddenLine xmlns:a14="http://schemas.microsoft.com/office/drawing/2010/main" w="9525">
-                <a:solidFill>
-                  <a:srgbClr val="000000"/>
-                </a:solidFill>
-                <a:miter lim="800000"/>
-                <a:headEnd/>
-                <a:tailEnd/>
-              </a14:hiddenLine>
-            </a:ext>
-          </a:extLst>
+          <a:extLst/>
         </p:spPr>
         <p:txBody>
           <a:bodyPr/>
@@ -14431,34 +14613,293 @@
             </a:lvl9pPr>
           </a:lstStyle>
           <a:p>
-            <a:r>
-              <a:rPr lang="en-GB" altLang="en-US" sz="2000"/>
-              <a:t>Significant increase in R</a:t>
-            </a:r>
-            <a:r>
-              <a:rPr lang="en-GB" altLang="en-US" sz="2000" baseline="30000"/>
+            <a:pPr marL="0" indent="0">
+              <a:buNone/>
+            </a:pPr>
+            <a:r>
+              <a:rPr lang="en-GB" altLang="en-US" sz="2000" dirty="0" smtClean="0"/>
+              <a:t>Statistically significant </a:t>
+            </a:r>
+            <a:r>
+              <a:rPr lang="en-GB" altLang="en-US" sz="2000" dirty="0"/>
+              <a:t>increase in R</a:t>
+            </a:r>
+            <a:r>
+              <a:rPr lang="en-GB" altLang="en-US" sz="2000" baseline="30000" dirty="0"/>
               <a:t>2</a:t>
             </a:r>
             <a:r>
-              <a:rPr lang="en-GB" altLang="en-US" sz="2000"/>
-              <a:t> from model 1 (29%) to model 2 (33%) revealed </a:t>
-            </a:r>
-            <a:br>
-              <a:rPr lang="en-GB" altLang="en-US" sz="2000"/>
-            </a:br>
-            <a:r>
-              <a:rPr lang="en-GB" altLang="en-US" sz="2000"/>
-              <a:t>by ANOVA (</a:t>
-            </a:r>
-            <a:r>
-              <a:rPr lang="en-GB" altLang="en-US" sz="2000" i="1"/>
+              <a:rPr lang="en-GB" altLang="en-US" sz="2000" dirty="0"/>
+              <a:t> from model 1 (</a:t>
+            </a:r>
+            <a:r>
+              <a:rPr lang="en-GB" altLang="en-US" sz="2000" dirty="0" smtClean="0"/>
+              <a:t>29.00%) </a:t>
+            </a:r>
+            <a:r>
+              <a:rPr lang="en-GB" altLang="en-US" sz="2000" dirty="0"/>
+              <a:t>to model 2 (</a:t>
+            </a:r>
+            <a:r>
+              <a:rPr lang="en-GB" altLang="en-US" sz="2000" dirty="0" smtClean="0"/>
+              <a:t>33.09%) </a:t>
+            </a:r>
+            <a:r>
+              <a:rPr lang="en-GB" altLang="en-US" sz="2000" dirty="0"/>
+              <a:t>revealed </a:t>
+            </a:r>
+            <a:r>
+              <a:rPr lang="en-GB" altLang="en-US" sz="2000" dirty="0" smtClean="0"/>
+              <a:t>by </a:t>
+            </a:r>
+            <a:r>
+              <a:rPr lang="en-GB" altLang="en-US" sz="2000" dirty="0"/>
+              <a:t>ANOVA (</a:t>
+            </a:r>
+            <a:r>
+              <a:rPr lang="en-GB" altLang="en-US" sz="2000" i="1" dirty="0"/>
               <a:t>F</a:t>
             </a:r>
             <a:r>
-              <a:rPr lang="en-GB" altLang="en-US" sz="2000"/>
+              <a:rPr lang="en-GB" altLang="en-US" sz="2000" dirty="0"/>
               <a:t> statistic)</a:t>
             </a:r>
-            <a:endParaRPr lang="en-GB" altLang="en-US" sz="2000" baseline="30000"/>
+            <a:endParaRPr lang="en-GB" altLang="en-US" sz="2000" baseline="30000" dirty="0"/>
+          </a:p>
+        </p:txBody>
+      </p:sp>
+      <p:sp>
+        <p:nvSpPr>
+          <p:cNvPr id="2" name="Oval 1"/>
+          <p:cNvSpPr/>
+          <p:nvPr/>
+        </p:nvSpPr>
+        <p:spPr>
+          <a:xfrm>
+            <a:off x="5732059" y="4237286"/>
+            <a:ext cx="627797" cy="462877"/>
+          </a:xfrm>
+          <a:prstGeom prst="ellipse">
+            <a:avLst/>
+          </a:prstGeom>
+          <a:noFill/>
+          <a:ln>
+            <a:solidFill>
+              <a:srgbClr val="CC0000"/>
+            </a:solidFill>
+          </a:ln>
+        </p:spPr>
+        <p:style>
+          <a:lnRef idx="2">
+            <a:schemeClr val="accent1">
+              <a:shade val="50000"/>
+            </a:schemeClr>
+          </a:lnRef>
+          <a:fillRef idx="1">
+            <a:schemeClr val="accent1"/>
+          </a:fillRef>
+          <a:effectRef idx="0">
+            <a:schemeClr val="accent1"/>
+          </a:effectRef>
+          <a:fontRef idx="minor">
+            <a:schemeClr val="lt1"/>
+          </a:fontRef>
+        </p:style>
+        <p:txBody>
+          <a:bodyPr rtlCol="0" anchor="ctr"/>
+          <a:lstStyle/>
+          <a:p>
+            <a:pPr algn="ctr"/>
+            <a:endParaRPr lang="en-GB"/>
+          </a:p>
+        </p:txBody>
+      </p:sp>
+      <p:cxnSp>
+        <p:nvCxnSpPr>
+          <p:cNvPr id="5" name="Straight Connector 4"/>
+          <p:cNvCxnSpPr/>
+          <p:nvPr/>
+        </p:nvCxnSpPr>
+        <p:spPr>
+          <a:xfrm>
+            <a:off x="6933063" y="4672867"/>
+            <a:ext cx="436728" cy="0"/>
+          </a:xfrm>
+          <a:prstGeom prst="line">
+            <a:avLst/>
+          </a:prstGeom>
+          <a:ln w="28575">
+            <a:solidFill>
+              <a:srgbClr val="C00000"/>
+            </a:solidFill>
+          </a:ln>
+        </p:spPr>
+        <p:style>
+          <a:lnRef idx="1">
+            <a:schemeClr val="accent1"/>
+          </a:lnRef>
+          <a:fillRef idx="0">
+            <a:schemeClr val="accent1"/>
+          </a:fillRef>
+          <a:effectRef idx="0">
+            <a:schemeClr val="accent1"/>
+          </a:effectRef>
+          <a:fontRef idx="minor">
+            <a:schemeClr val="tx1"/>
+          </a:fontRef>
+        </p:style>
+      </p:cxnSp>
+      <p:cxnSp>
+        <p:nvCxnSpPr>
+          <p:cNvPr id="10" name="Straight Connector 9"/>
+          <p:cNvCxnSpPr/>
+          <p:nvPr/>
+        </p:nvCxnSpPr>
+        <p:spPr>
+          <a:xfrm>
+            <a:off x="7999863" y="4672867"/>
+            <a:ext cx="436728" cy="0"/>
+          </a:xfrm>
+          <a:prstGeom prst="line">
+            <a:avLst/>
+          </a:prstGeom>
+          <a:ln w="28575">
+            <a:solidFill>
+              <a:srgbClr val="C00000"/>
+            </a:solidFill>
+          </a:ln>
+        </p:spPr>
+        <p:style>
+          <a:lnRef idx="1">
+            <a:schemeClr val="accent1"/>
+          </a:lnRef>
+          <a:fillRef idx="0">
+            <a:schemeClr val="accent1"/>
+          </a:fillRef>
+          <a:effectRef idx="0">
+            <a:schemeClr val="accent1"/>
+          </a:effectRef>
+          <a:fontRef idx="minor">
+            <a:schemeClr val="tx1"/>
+          </a:fontRef>
+        </p:style>
+      </p:cxnSp>
+      <p:sp>
+        <p:nvSpPr>
+          <p:cNvPr id="6" name="Rectangle 5"/>
+          <p:cNvSpPr/>
+          <p:nvPr/>
+        </p:nvSpPr>
+        <p:spPr>
+          <a:xfrm>
+            <a:off x="3746414" y="6075145"/>
+            <a:ext cx="4608163" cy="646331"/>
+          </a:xfrm>
+          <a:prstGeom prst="rect">
+            <a:avLst/>
+          </a:prstGeom>
+        </p:spPr>
+        <p:txBody>
+          <a:bodyPr wrap="square">
+            <a:spAutoFit/>
+          </a:bodyPr>
+          <a:lstStyle/>
+          <a:p>
+            <a:r>
+              <a:rPr lang="en-GB" sz="1200" dirty="0" err="1">
+                <a:solidFill>
+                  <a:schemeClr val="bg1">
+                    <a:lumMod val="65000"/>
+                  </a:schemeClr>
+                </a:solidFill>
+                <a:latin typeface="Arial" panose="020B0604020202020204" pitchFamily="34" charset="0"/>
+              </a:rPr>
+              <a:t>Snefjella</a:t>
+            </a:r>
+            <a:r>
+              <a:rPr lang="en-GB" sz="1200" dirty="0">
+                <a:solidFill>
+                  <a:schemeClr val="bg1">
+                    <a:lumMod val="65000"/>
+                  </a:schemeClr>
+                </a:solidFill>
+                <a:latin typeface="Arial" panose="020B0604020202020204" pitchFamily="34" charset="0"/>
+              </a:rPr>
+              <a:t>, B., &amp; </a:t>
+            </a:r>
+            <a:r>
+              <a:rPr lang="en-GB" sz="1200" dirty="0" err="1">
+                <a:solidFill>
+                  <a:schemeClr val="bg1">
+                    <a:lumMod val="65000"/>
+                  </a:schemeClr>
+                </a:solidFill>
+                <a:latin typeface="Arial" panose="020B0604020202020204" pitchFamily="34" charset="0"/>
+              </a:rPr>
+              <a:t>Kuperman</a:t>
+            </a:r>
+            <a:r>
+              <a:rPr lang="en-GB" sz="1200" dirty="0">
+                <a:solidFill>
+                  <a:schemeClr val="bg1">
+                    <a:lumMod val="65000"/>
+                  </a:schemeClr>
+                </a:solidFill>
+                <a:latin typeface="Arial" panose="020B0604020202020204" pitchFamily="34" charset="0"/>
+              </a:rPr>
+              <a:t>, V. (2016). It’s all in the delivery: Effects of context valence, arousal, and concreteness on visual word processing. </a:t>
+            </a:r>
+            <a:r>
+              <a:rPr lang="en-GB" sz="1200" i="1" dirty="0">
+                <a:solidFill>
+                  <a:schemeClr val="bg1">
+                    <a:lumMod val="65000"/>
+                  </a:schemeClr>
+                </a:solidFill>
+                <a:latin typeface="Arial" panose="020B0604020202020204" pitchFamily="34" charset="0"/>
+              </a:rPr>
+              <a:t>Cognition</a:t>
+            </a:r>
+            <a:r>
+              <a:rPr lang="en-GB" sz="1200" dirty="0">
+                <a:solidFill>
+                  <a:schemeClr val="bg1">
+                    <a:lumMod val="65000"/>
+                  </a:schemeClr>
+                </a:solidFill>
+                <a:latin typeface="Arial" panose="020B0604020202020204" pitchFamily="34" charset="0"/>
+              </a:rPr>
+              <a:t>, </a:t>
+            </a:r>
+            <a:r>
+              <a:rPr lang="en-GB" sz="1200" i="1" dirty="0">
+                <a:solidFill>
+                  <a:schemeClr val="bg1">
+                    <a:lumMod val="65000"/>
+                  </a:schemeClr>
+                </a:solidFill>
+                <a:latin typeface="Arial" panose="020B0604020202020204" pitchFamily="34" charset="0"/>
+              </a:rPr>
+              <a:t>156</a:t>
+            </a:r>
+            <a:r>
+              <a:rPr lang="en-GB" sz="1200" dirty="0">
+                <a:solidFill>
+                  <a:schemeClr val="bg1">
+                    <a:lumMod val="65000"/>
+                  </a:schemeClr>
+                </a:solidFill>
+                <a:latin typeface="Arial" panose="020B0604020202020204" pitchFamily="34" charset="0"/>
+              </a:rPr>
+              <a:t>, 135-146.</a:t>
+            </a:r>
+            <a:endParaRPr lang="en-GB" sz="1200" dirty="0">
+              <a:solidFill>
+                <a:schemeClr val="bg1">
+                  <a:lumMod val="65000"/>
+                </a:schemeClr>
+              </a:solidFill>
+            </a:endParaRPr>
           </a:p>
         </p:txBody>
       </p:sp>
@@ -14634,41 +15075,6 @@
                                   </p:childTnLst>
                                 </p:cTn>
                               </p:par>
-                              <p:par>
-                                <p:cTn id="16" presetID="10" presetClass="entr" presetSubtype="0" fill="hold" nodeType="withEffect">
-                                  <p:stCondLst>
-                                    <p:cond delay="0"/>
-                                  </p:stCondLst>
-                                  <p:childTnLst>
-                                    <p:set>
-                                      <p:cBhvr>
-                                        <p:cTn id="17" dur="1" fill="hold">
-                                          <p:stCondLst>
-                                            <p:cond delay="0"/>
-                                          </p:stCondLst>
-                                        </p:cTn>
-                                        <p:tgtEl>
-                                          <p:spTgt spid="19461"/>
-                                        </p:tgtEl>
-                                        <p:attrNameLst>
-                                          <p:attrName>style.visibility</p:attrName>
-                                        </p:attrNameLst>
-                                      </p:cBhvr>
-                                      <p:to>
-                                        <p:strVal val="visible"/>
-                                      </p:to>
-                                    </p:set>
-                                    <p:animEffect transition="in" filter="fade">
-                                      <p:cBhvr>
-                                        <p:cTn id="18" dur="500"/>
-                                        <p:tgtEl>
-                                          <p:spTgt spid="19461"/>
-                                        </p:tgtEl>
-                                      </p:cBhvr>
-                                    </p:animEffect>
-                                  </p:childTnLst>
-                                </p:cTn>
-                              </p:par>
                             </p:childTnLst>
                           </p:cTn>
                         </p:par>
@@ -14676,26 +15082,26 @@
                     </p:cTn>
                   </p:par>
                   <p:par>
-                    <p:cTn id="19" fill="hold" nodeType="clickPar">
+                    <p:cTn id="16" fill="hold" nodeType="clickPar">
                       <p:stCondLst>
                         <p:cond delay="indefinite"/>
                       </p:stCondLst>
                       <p:childTnLst>
                         <p:par>
-                          <p:cTn id="20" fill="hold" nodeType="withGroup">
+                          <p:cTn id="17" fill="hold" nodeType="withGroup">
                             <p:stCondLst>
                               <p:cond delay="0"/>
                             </p:stCondLst>
                             <p:childTnLst>
                               <p:par>
-                                <p:cTn id="21" presetID="10" presetClass="entr" presetSubtype="0" fill="hold" nodeType="clickEffect">
+                                <p:cTn id="18" presetID="10" presetClass="entr" presetSubtype="0" fill="hold" nodeType="clickEffect">
                                   <p:stCondLst>
                                     <p:cond delay="0"/>
                                   </p:stCondLst>
                                   <p:childTnLst>
                                     <p:set>
                                       <p:cBhvr>
-                                        <p:cTn id="22" dur="1" fill="hold">
+                                        <p:cTn id="19" dur="1" fill="hold">
                                           <p:stCondLst>
                                             <p:cond delay="0"/>
                                           </p:stCondLst>
@@ -14717,7 +15123,7 @@
                                     </p:set>
                                     <p:animEffect transition="in" filter="fade">
                                       <p:cBhvr>
-                                        <p:cTn id="23" dur="500"/>
+                                        <p:cTn id="20" dur="500"/>
                                         <p:tgtEl>
                                           <p:spTgt spid="19459">
                                             <p:txEl>
@@ -14737,36 +15143,32 @@
                     </p:cTn>
                   </p:par>
                   <p:par>
-                    <p:cTn id="24" fill="hold" nodeType="clickPar">
+                    <p:cTn id="21" fill="hold">
                       <p:stCondLst>
                         <p:cond delay="indefinite"/>
                       </p:stCondLst>
                       <p:childTnLst>
                         <p:par>
-                          <p:cTn id="25" fill="hold" nodeType="withGroup">
+                          <p:cTn id="22" fill="hold">
                             <p:stCondLst>
                               <p:cond delay="0"/>
                             </p:stCondLst>
                             <p:childTnLst>
                               <p:par>
-                                <p:cTn id="26" presetID="10" presetClass="entr" presetSubtype="0" fill="hold" nodeType="clickEffect">
+                                <p:cTn id="23" presetID="1" presetClass="entr" presetSubtype="0" fill="hold" nodeType="clickEffect">
                                   <p:stCondLst>
                                     <p:cond delay="0"/>
                                   </p:stCondLst>
                                   <p:childTnLst>
                                     <p:set>
                                       <p:cBhvr>
-                                        <p:cTn id="27" dur="1" fill="hold">
+                                        <p:cTn id="24" dur="1" fill="hold">
                                           <p:stCondLst>
                                             <p:cond delay="0"/>
                                           </p:stCondLst>
                                         </p:cTn>
                                         <p:tgtEl>
-                                          <p:spTgt spid="19462">
-                                            <p:txEl>
-                                              <p:pRg st="0" end="0"/>
-                                            </p:txEl>
-                                          </p:spTgt>
+                                          <p:spTgt spid="19461"/>
                                         </p:tgtEl>
                                         <p:attrNameLst>
                                           <p:attrName>style.visibility</p:attrName>
@@ -14776,18 +15178,132 @@
                                         <p:strVal val="visible"/>
                                       </p:to>
                                     </p:set>
-                                    <p:animEffect transition="in" filter="fade">
+                                  </p:childTnLst>
+                                </p:cTn>
+                              </p:par>
+                            </p:childTnLst>
+                          </p:cTn>
+                        </p:par>
+                      </p:childTnLst>
+                    </p:cTn>
+                  </p:par>
+                  <p:par>
+                    <p:cTn id="25" fill="hold">
+                      <p:stCondLst>
+                        <p:cond delay="indefinite"/>
+                      </p:stCondLst>
+                      <p:childTnLst>
+                        <p:par>
+                          <p:cTn id="26" fill="hold">
+                            <p:stCondLst>
+                              <p:cond delay="0"/>
+                            </p:stCondLst>
+                            <p:childTnLst>
+                              <p:par>
+                                <p:cTn id="27" presetID="1" presetClass="entr" presetSubtype="0" fill="hold" grpId="0" nodeType="clickEffect">
+                                  <p:stCondLst>
+                                    <p:cond delay="0"/>
+                                  </p:stCondLst>
+                                  <p:childTnLst>
+                                    <p:set>
                                       <p:cBhvr>
-                                        <p:cTn id="28" dur="500"/>
+                                        <p:cTn id="28" dur="1" fill="hold">
+                                          <p:stCondLst>
+                                            <p:cond delay="0"/>
+                                          </p:stCondLst>
+                                        </p:cTn>
                                         <p:tgtEl>
-                                          <p:spTgt spid="19462">
-                                            <p:txEl>
-                                              <p:pRg st="0" end="0"/>
-                                            </p:txEl>
-                                          </p:spTgt>
+                                          <p:spTgt spid="2"/>
                                         </p:tgtEl>
+                                        <p:attrNameLst>
+                                          <p:attrName>style.visibility</p:attrName>
+                                        </p:attrNameLst>
                                       </p:cBhvr>
-                                    </p:animEffect>
+                                      <p:to>
+                                        <p:strVal val="visible"/>
+                                      </p:to>
+                                    </p:set>
+                                  </p:childTnLst>
+                                </p:cTn>
+                              </p:par>
+                              <p:par>
+                                <p:cTn id="29" presetID="1" presetClass="entr" presetSubtype="0" fill="hold" nodeType="withEffect">
+                                  <p:stCondLst>
+                                    <p:cond delay="0"/>
+                                  </p:stCondLst>
+                                  <p:childTnLst>
+                                    <p:set>
+                                      <p:cBhvr>
+                                        <p:cTn id="30" dur="1" fill="hold">
+                                          <p:stCondLst>
+                                            <p:cond delay="0"/>
+                                          </p:stCondLst>
+                                        </p:cTn>
+                                        <p:tgtEl>
+                                          <p:spTgt spid="5"/>
+                                        </p:tgtEl>
+                                        <p:attrNameLst>
+                                          <p:attrName>style.visibility</p:attrName>
+                                        </p:attrNameLst>
+                                      </p:cBhvr>
+                                      <p:to>
+                                        <p:strVal val="visible"/>
+                                      </p:to>
+                                    </p:set>
+                                  </p:childTnLst>
+                                </p:cTn>
+                              </p:par>
+                              <p:par>
+                                <p:cTn id="31" presetID="1" presetClass="entr" presetSubtype="0" fill="hold" nodeType="withEffect">
+                                  <p:stCondLst>
+                                    <p:cond delay="0"/>
+                                  </p:stCondLst>
+                                  <p:childTnLst>
+                                    <p:set>
+                                      <p:cBhvr>
+                                        <p:cTn id="32" dur="1" fill="hold">
+                                          <p:stCondLst>
+                                            <p:cond delay="0"/>
+                                          </p:stCondLst>
+                                        </p:cTn>
+                                        <p:tgtEl>
+                                          <p:spTgt spid="10"/>
+                                        </p:tgtEl>
+                                        <p:attrNameLst>
+                                          <p:attrName>style.visibility</p:attrName>
+                                        </p:attrNameLst>
+                                      </p:cBhvr>
+                                      <p:to>
+                                        <p:strVal val="visible"/>
+                                      </p:to>
+                                    </p:set>
+                                  </p:childTnLst>
+                                </p:cTn>
+                              </p:par>
+                              <p:par>
+                                <p:cTn id="33" presetID="1" presetClass="entr" presetSubtype="0" fill="hold" grpId="0" nodeType="withEffect">
+                                  <p:stCondLst>
+                                    <p:cond delay="0"/>
+                                  </p:stCondLst>
+                                  <p:childTnLst>
+                                    <p:set>
+                                      <p:cBhvr>
+                                        <p:cTn id="34" dur="1" fill="hold">
+                                          <p:stCondLst>
+                                            <p:cond delay="0"/>
+                                          </p:stCondLst>
+                                        </p:cTn>
+                                        <p:tgtEl>
+                                          <p:spTgt spid="19462"/>
+                                        </p:tgtEl>
+                                        <p:attrNameLst>
+                                          <p:attrName>style.visibility</p:attrName>
+                                        </p:attrNameLst>
+                                      </p:cBhvr>
+                                      <p:to>
+                                        <p:strVal val="visible"/>
+                                      </p:to>
+                                    </p:set>
                                   </p:childTnLst>
                                 </p:cTn>
                               </p:par>
@@ -14818,6 +15334,10 @@
         </p:cTn>
       </p:par>
     </p:tnLst>
+    <p:bldLst>
+      <p:bldP spid="19462" grpId="0" animBg="1"/>
+      <p:bldP spid="2" grpId="0" animBg="1"/>
+    </p:bldLst>
   </p:timing>
 </p:sld>
 </file>
@@ -14855,22 +15375,23 @@
           <a:lstStyle/>
           <a:p>
             <a:r>
-              <a:rPr lang="en-GB" altLang="en-US" smtClean="0"/>
+              <a:rPr lang="en-GB" altLang="en-US" dirty="0" smtClean="0"/>
               <a:t>Example: Rom et al (2011)</a:t>
             </a:r>
             <a:br>
-              <a:rPr lang="en-GB" altLang="en-US" smtClean="0"/>
+              <a:rPr lang="en-GB" altLang="en-US" dirty="0" smtClean="0"/>
             </a:br>
             <a:r>
-              <a:rPr lang="en-GB" altLang="en-US" smtClean="0"/>
-              <a:t>Self-esteem is related to pre-morbid adjustment</a:t>
-            </a:r>
-            <a:br>
-              <a:rPr lang="en-GB" altLang="en-US" smtClean="0"/>
-            </a:br>
-            <a:r>
-              <a:rPr lang="en-GB" altLang="en-US" smtClean="0"/>
-              <a:t> in early psychosis</a:t>
+              <a:rPr lang="en-GB" altLang="en-US" dirty="0" smtClean="0"/>
+              <a:t>Self-esteem is related to pre-morbid </a:t>
+            </a:r>
+            <a:r>
+              <a:rPr lang="en-GB" altLang="en-US" dirty="0" smtClean="0"/>
+              <a:t>adjustment in </a:t>
+            </a:r>
+            <a:r>
+              <a:rPr lang="en-GB" altLang="en-US" dirty="0" smtClean="0"/>
+              <a:t>early psychosis</a:t>
             </a:r>
           </a:p>
         </p:txBody>
@@ -14887,8 +15408,8 @@
         </p:nvSpPr>
         <p:spPr>
           <a:xfrm>
-            <a:off x="1981200" y="4381501"/>
-            <a:ext cx="8229600" cy="1744663"/>
+            <a:off x="1330271" y="4187770"/>
+            <a:ext cx="6294895" cy="1744663"/>
           </a:xfrm>
         </p:spPr>
         <p:txBody>
@@ -14923,16 +15444,41 @@
             </a:r>
             <a:r>
               <a:rPr lang="en-GB" dirty="0" smtClean="0"/>
-              <a:t>: age, gender (</a:t>
+              <a:t>: age, gender </a:t>
+            </a:r>
+            <a:r>
+              <a:rPr lang="en-GB" dirty="0" smtClean="0"/>
+              <a:t>(</a:t>
+            </a:r>
+            <a:r>
+              <a:rPr lang="en-GB" dirty="0" err="1"/>
+              <a:t>a</a:t>
+            </a:r>
+            <a:r>
+              <a:rPr lang="en-GB" dirty="0" err="1" smtClean="0"/>
+              <a:t>dj</a:t>
+            </a:r>
+            <a:r>
+              <a:rPr lang="en-GB" dirty="0" smtClean="0"/>
+              <a:t> R</a:t>
+            </a:r>
+            <a:r>
+              <a:rPr lang="en-GB" baseline="30000" dirty="0" smtClean="0"/>
+              <a:t>2 </a:t>
+            </a:r>
+            <a:r>
+              <a:rPr lang="en-GB" dirty="0" smtClean="0"/>
+              <a:t>= </a:t>
             </a:r>
             <a:r>
               <a:rPr lang="en-GB" b="1" dirty="0" smtClean="0"/>
-              <a:t>16%</a:t>
+              <a:t>16.00%</a:t>
             </a:r>
             <a:r>
               <a:rPr lang="en-GB" dirty="0" smtClean="0"/>
               <a:t>)</a:t>
             </a:r>
+            <a:endParaRPr lang="en-GB" dirty="0" smtClean="0"/>
           </a:p>
           <a:p>
             <a:pPr lvl="1">
@@ -14944,11 +15490,35 @@
             </a:r>
             <a:r>
               <a:rPr lang="en-GB" dirty="0" smtClean="0"/>
-              <a:t>: premorbid adjustment (social and academic functioning prior to psychosis onset) (</a:t>
+              <a:t>: premorbid adjustment (social and academic functioning prior to psychosis onset) </a:t>
+            </a:r>
+            <a:r>
+              <a:rPr lang="en-GB" dirty="0" smtClean="0"/>
+              <a:t>(</a:t>
+            </a:r>
+            <a:r>
+              <a:rPr lang="en-GB" dirty="0" err="1"/>
+              <a:t>a</a:t>
+            </a:r>
+            <a:r>
+              <a:rPr lang="en-GB" dirty="0" err="1" smtClean="0"/>
+              <a:t>dj</a:t>
+            </a:r>
+            <a:r>
+              <a:rPr lang="en-GB" dirty="0" smtClean="0"/>
+              <a:t> R</a:t>
+            </a:r>
+            <a:r>
+              <a:rPr lang="en-GB" baseline="30000" dirty="0" smtClean="0"/>
+              <a:t>2</a:t>
+            </a:r>
+            <a:r>
+              <a:rPr lang="en-GB" dirty="0" smtClean="0"/>
+              <a:t> = </a:t>
             </a:r>
             <a:r>
               <a:rPr lang="en-GB" b="1" dirty="0" smtClean="0"/>
-              <a:t>25%</a:t>
+              <a:t>25.00%</a:t>
             </a:r>
             <a:r>
               <a:rPr lang="en-GB" dirty="0" smtClean="0"/>
@@ -14995,7 +15565,7 @@
           </p:cNvPicPr>
           <p:nvPr/>
         </p:nvPicPr>
-        <p:blipFill>
+        <p:blipFill rotWithShape="1">
           <a:blip r:embed="rId2">
             <a:extLst>
               <a:ext uri="{28A0092B-C50C-407E-A947-70E740481C1C}">
@@ -15003,15 +15573,13 @@
               </a:ext>
             </a:extLst>
           </a:blip>
-          <a:srcRect/>
-          <a:stretch>
-            <a:fillRect/>
-          </a:stretch>
+          <a:srcRect t="7185" r="4730"/>
+          <a:stretch/>
         </p:blipFill>
         <p:spPr bwMode="auto">
           <a:xfrm>
-            <a:off x="1798639" y="1476375"/>
-            <a:ext cx="8594725" cy="2674938"/>
+            <a:off x="1418561" y="1255367"/>
+            <a:ext cx="9244269" cy="2802958"/>
           </a:xfrm>
           <a:prstGeom prst="rect">
             <a:avLst/>
@@ -15041,6 +15609,274 @@
           </a:extLst>
         </p:spPr>
       </p:pic>
+      <p:cxnSp>
+        <p:nvCxnSpPr>
+          <p:cNvPr id="6" name="Straight Connector 5"/>
+          <p:cNvCxnSpPr/>
+          <p:nvPr/>
+        </p:nvCxnSpPr>
+        <p:spPr>
+          <a:xfrm>
+            <a:off x="10080374" y="2716149"/>
+            <a:ext cx="436728" cy="0"/>
+          </a:xfrm>
+          <a:prstGeom prst="line">
+            <a:avLst/>
+          </a:prstGeom>
+          <a:ln w="28575">
+            <a:solidFill>
+              <a:srgbClr val="C00000"/>
+            </a:solidFill>
+            <a:headEnd type="triangle"/>
+          </a:ln>
+        </p:spPr>
+        <p:style>
+          <a:lnRef idx="1">
+            <a:schemeClr val="accent1"/>
+          </a:lnRef>
+          <a:fillRef idx="0">
+            <a:schemeClr val="accent1"/>
+          </a:fillRef>
+          <a:effectRef idx="0">
+            <a:schemeClr val="accent1"/>
+          </a:effectRef>
+          <a:fontRef idx="minor">
+            <a:schemeClr val="tx1"/>
+          </a:fontRef>
+        </p:style>
+      </p:cxnSp>
+      <p:cxnSp>
+        <p:nvCxnSpPr>
+          <p:cNvPr id="7" name="Straight Connector 6"/>
+          <p:cNvCxnSpPr/>
+          <p:nvPr/>
+        </p:nvCxnSpPr>
+        <p:spPr>
+          <a:xfrm>
+            <a:off x="10077792" y="3101022"/>
+            <a:ext cx="436728" cy="0"/>
+          </a:xfrm>
+          <a:prstGeom prst="line">
+            <a:avLst/>
+          </a:prstGeom>
+          <a:ln w="28575">
+            <a:solidFill>
+              <a:srgbClr val="C00000"/>
+            </a:solidFill>
+            <a:headEnd type="triangle"/>
+          </a:ln>
+        </p:spPr>
+        <p:style>
+          <a:lnRef idx="1">
+            <a:schemeClr val="accent1"/>
+          </a:lnRef>
+          <a:fillRef idx="0">
+            <a:schemeClr val="accent1"/>
+          </a:fillRef>
+          <a:effectRef idx="0">
+            <a:schemeClr val="accent1"/>
+          </a:effectRef>
+          <a:fontRef idx="minor">
+            <a:schemeClr val="tx1"/>
+          </a:fontRef>
+        </p:style>
+      </p:cxnSp>
+      <p:sp>
+        <p:nvSpPr>
+          <p:cNvPr id="2" name="Rectangle 1"/>
+          <p:cNvSpPr/>
+          <p:nvPr/>
+        </p:nvSpPr>
+        <p:spPr>
+          <a:xfrm>
+            <a:off x="7904133" y="5492254"/>
+            <a:ext cx="4050224" cy="1015663"/>
+          </a:xfrm>
+          <a:prstGeom prst="rect">
+            <a:avLst/>
+          </a:prstGeom>
+        </p:spPr>
+        <p:txBody>
+          <a:bodyPr wrap="square">
+            <a:spAutoFit/>
+          </a:bodyPr>
+          <a:lstStyle/>
+          <a:p>
+            <a:r>
+              <a:rPr lang="en-GB" sz="1200" dirty="0" err="1">
+                <a:solidFill>
+                  <a:schemeClr val="bg1">
+                    <a:lumMod val="65000"/>
+                  </a:schemeClr>
+                </a:solidFill>
+                <a:latin typeface="Arial" panose="020B0604020202020204" pitchFamily="34" charset="0"/>
+              </a:rPr>
+              <a:t>Romm</a:t>
+            </a:r>
+            <a:r>
+              <a:rPr lang="en-GB" sz="1200" dirty="0">
+                <a:solidFill>
+                  <a:schemeClr val="bg1">
+                    <a:lumMod val="65000"/>
+                  </a:schemeClr>
+                </a:solidFill>
+                <a:latin typeface="Arial" panose="020B0604020202020204" pitchFamily="34" charset="0"/>
+              </a:rPr>
+              <a:t>, K. L., </a:t>
+            </a:r>
+            <a:r>
+              <a:rPr lang="en-GB" sz="1200" dirty="0" err="1">
+                <a:solidFill>
+                  <a:schemeClr val="bg1">
+                    <a:lumMod val="65000"/>
+                  </a:schemeClr>
+                </a:solidFill>
+                <a:latin typeface="Arial" panose="020B0604020202020204" pitchFamily="34" charset="0"/>
+              </a:rPr>
+              <a:t>Rossberg</a:t>
+            </a:r>
+            <a:r>
+              <a:rPr lang="en-GB" sz="1200" dirty="0">
+                <a:solidFill>
+                  <a:schemeClr val="bg1">
+                    <a:lumMod val="65000"/>
+                  </a:schemeClr>
+                </a:solidFill>
+                <a:latin typeface="Arial" panose="020B0604020202020204" pitchFamily="34" charset="0"/>
+              </a:rPr>
+              <a:t>, J. I., Hansen, C. F., </a:t>
+            </a:r>
+            <a:r>
+              <a:rPr lang="en-GB" sz="1200" dirty="0" err="1">
+                <a:solidFill>
+                  <a:schemeClr val="bg1">
+                    <a:lumMod val="65000"/>
+                  </a:schemeClr>
+                </a:solidFill>
+                <a:latin typeface="Arial" panose="020B0604020202020204" pitchFamily="34" charset="0"/>
+              </a:rPr>
+              <a:t>Haug</a:t>
+            </a:r>
+            <a:r>
+              <a:rPr lang="en-GB" sz="1200" dirty="0">
+                <a:solidFill>
+                  <a:schemeClr val="bg1">
+                    <a:lumMod val="65000"/>
+                  </a:schemeClr>
+                </a:solidFill>
+                <a:latin typeface="Arial" panose="020B0604020202020204" pitchFamily="34" charset="0"/>
+              </a:rPr>
+              <a:t>, E., </a:t>
+            </a:r>
+            <a:r>
+              <a:rPr lang="en-GB" sz="1200" dirty="0" err="1">
+                <a:solidFill>
+                  <a:schemeClr val="bg1">
+                    <a:lumMod val="65000"/>
+                  </a:schemeClr>
+                </a:solidFill>
+                <a:latin typeface="Arial" panose="020B0604020202020204" pitchFamily="34" charset="0"/>
+              </a:rPr>
+              <a:t>Andreassen</a:t>
+            </a:r>
+            <a:r>
+              <a:rPr lang="en-GB" sz="1200" dirty="0">
+                <a:solidFill>
+                  <a:schemeClr val="bg1">
+                    <a:lumMod val="65000"/>
+                  </a:schemeClr>
+                </a:solidFill>
+                <a:latin typeface="Arial" panose="020B0604020202020204" pitchFamily="34" charset="0"/>
+              </a:rPr>
+              <a:t>, O. A., &amp; </a:t>
+            </a:r>
+            <a:r>
+              <a:rPr lang="en-GB" sz="1200" dirty="0" err="1">
+                <a:solidFill>
+                  <a:schemeClr val="bg1">
+                    <a:lumMod val="65000"/>
+                  </a:schemeClr>
+                </a:solidFill>
+                <a:latin typeface="Arial" panose="020B0604020202020204" pitchFamily="34" charset="0"/>
+              </a:rPr>
+              <a:t>Melle</a:t>
+            </a:r>
+            <a:r>
+              <a:rPr lang="en-GB" sz="1200" dirty="0">
+                <a:solidFill>
+                  <a:schemeClr val="bg1">
+                    <a:lumMod val="65000"/>
+                  </a:schemeClr>
+                </a:solidFill>
+                <a:latin typeface="Arial" panose="020B0604020202020204" pitchFamily="34" charset="0"/>
+              </a:rPr>
+              <a:t>, I. (2011). Self-esteem is associated with premorbid adjustment and positive psychotic symptoms in early psychosis. </a:t>
+            </a:r>
+            <a:r>
+              <a:rPr lang="en-GB" sz="1200" i="1" dirty="0">
+                <a:solidFill>
+                  <a:schemeClr val="bg1">
+                    <a:lumMod val="65000"/>
+                  </a:schemeClr>
+                </a:solidFill>
+                <a:latin typeface="Arial" panose="020B0604020202020204" pitchFamily="34" charset="0"/>
+              </a:rPr>
+              <a:t>BMC </a:t>
+            </a:r>
+            <a:r>
+              <a:rPr lang="en-GB" sz="1200" i="1" dirty="0" smtClean="0">
+                <a:solidFill>
+                  <a:schemeClr val="bg1">
+                    <a:lumMod val="65000"/>
+                  </a:schemeClr>
+                </a:solidFill>
+                <a:latin typeface="Arial" panose="020B0604020202020204" pitchFamily="34" charset="0"/>
+              </a:rPr>
+              <a:t>Psychiatry</a:t>
+            </a:r>
+            <a:r>
+              <a:rPr lang="en-GB" sz="1200" dirty="0">
+                <a:solidFill>
+                  <a:schemeClr val="bg1">
+                    <a:lumMod val="65000"/>
+                  </a:schemeClr>
+                </a:solidFill>
+                <a:latin typeface="Arial" panose="020B0604020202020204" pitchFamily="34" charset="0"/>
+              </a:rPr>
+              <a:t>, </a:t>
+            </a:r>
+            <a:r>
+              <a:rPr lang="en-GB" sz="1200" i="1" dirty="0">
+                <a:solidFill>
+                  <a:schemeClr val="bg1">
+                    <a:lumMod val="65000"/>
+                  </a:schemeClr>
+                </a:solidFill>
+                <a:latin typeface="Arial" panose="020B0604020202020204" pitchFamily="34" charset="0"/>
+              </a:rPr>
+              <a:t>11</a:t>
+            </a:r>
+            <a:r>
+              <a:rPr lang="en-GB" sz="1200" dirty="0">
+                <a:solidFill>
+                  <a:schemeClr val="bg1">
+                    <a:lumMod val="65000"/>
+                  </a:schemeClr>
+                </a:solidFill>
+                <a:latin typeface="Arial" panose="020B0604020202020204" pitchFamily="34" charset="0"/>
+              </a:rPr>
+              <a:t>(1), 136.</a:t>
+            </a:r>
+            <a:endParaRPr lang="en-GB" sz="1200" dirty="0">
+              <a:solidFill>
+                <a:schemeClr val="bg1">
+                  <a:lumMod val="65000"/>
+                </a:schemeClr>
+              </a:solidFill>
+            </a:endParaRPr>
+          </a:p>
+        </p:txBody>
+      </p:sp>
     </p:spTree>
   </p:cSld>
   <p:clrMapOvr>
@@ -15301,6 +16137,60 @@
                                   </p:childTnLst>
                                 </p:cTn>
                               </p:par>
+                              <p:par>
+                                <p:cTn id="24" presetID="1" presetClass="entr" presetSubtype="0" fill="hold" nodeType="withEffect">
+                                  <p:stCondLst>
+                                    <p:cond delay="0"/>
+                                  </p:stCondLst>
+                                  <p:childTnLst>
+                                    <p:set>
+                                      <p:cBhvr>
+                                        <p:cTn id="25" dur="1" fill="hold">
+                                          <p:stCondLst>
+                                            <p:cond delay="0"/>
+                                          </p:stCondLst>
+                                        </p:cTn>
+                                        <p:tgtEl>
+                                          <p:spTgt spid="6"/>
+                                        </p:tgtEl>
+                                        <p:attrNameLst>
+                                          <p:attrName>style.visibility</p:attrName>
+                                        </p:attrNameLst>
+                                      </p:cBhvr>
+                                      <p:to>
+                                        <p:strVal val="visible"/>
+                                      </p:to>
+                                    </p:set>
+                                  </p:childTnLst>
+                                </p:cTn>
+                              </p:par>
+                              <p:par>
+                                <p:cTn id="26" presetID="1" presetClass="entr" presetSubtype="0" fill="hold" nodeType="withEffect">
+                                  <p:stCondLst>
+                                    <p:cond delay="0"/>
+                                  </p:stCondLst>
+                                  <p:childTnLst>
+                                    <p:set>
+                                      <p:cBhvr>
+                                        <p:cTn id="27" dur="1" fill="hold">
+                                          <p:stCondLst>
+                                            <p:cond delay="0"/>
+                                          </p:stCondLst>
+                                        </p:cTn>
+                                        <p:tgtEl>
+                                          <p:spTgt spid="7"/>
+                                        </p:tgtEl>
+                                        <p:attrNameLst>
+                                          <p:attrName>style.visibility</p:attrName>
+                                        </p:attrNameLst>
+                                      </p:cBhvr>
+                                      <p:to>
+                                        <p:strVal val="visible"/>
+                                      </p:to>
+                                    </p:set>
+                                  </p:childTnLst>
+                                </p:cTn>
+                              </p:par>
                             </p:childTnLst>
                           </p:cTn>
                         </p:par>
@@ -15308,26 +16198,26 @@
                     </p:cTn>
                   </p:par>
                   <p:par>
-                    <p:cTn id="24" fill="hold" nodeType="clickPar">
+                    <p:cTn id="28" fill="hold">
                       <p:stCondLst>
                         <p:cond delay="indefinite"/>
                       </p:stCondLst>
                       <p:childTnLst>
                         <p:par>
-                          <p:cTn id="25" fill="hold" nodeType="withGroup">
+                          <p:cTn id="29" fill="hold">
                             <p:stCondLst>
                               <p:cond delay="0"/>
                             </p:stCondLst>
                             <p:childTnLst>
                               <p:par>
-                                <p:cTn id="26" presetID="10" presetClass="entr" presetSubtype="0" fill="hold" nodeType="clickEffect">
+                                <p:cTn id="30" presetID="10" presetClass="entr" presetSubtype="0" fill="hold" nodeType="clickEffect">
                                   <p:stCondLst>
                                     <p:cond delay="0"/>
                                   </p:stCondLst>
                                   <p:childTnLst>
                                     <p:set>
                                       <p:cBhvr>
-                                        <p:cTn id="27" dur="1" fill="hold">
+                                        <p:cTn id="31" dur="1" fill="hold">
                                           <p:stCondLst>
                                             <p:cond delay="0"/>
                                           </p:stCondLst>
@@ -15349,7 +16239,7 @@
                                     </p:set>
                                     <p:animEffect transition="in" filter="fade">
                                       <p:cBhvr>
-                                        <p:cTn id="28" dur="500"/>
+                                        <p:cTn id="32" dur="500"/>
                                         <p:tgtEl>
                                           <p:spTgt spid="3">
                                             <p:txEl>
@@ -15429,7 +16319,7 @@
           <a:lstStyle/>
           <a:p>
             <a:r>
-              <a:rPr lang="en-GB" altLang="en-US" sz="2800"/>
+              <a:rPr lang="en-GB" altLang="en-US" sz="2800" dirty="0"/>
               <a:t>Bayesian Approach</a:t>
             </a:r>
           </a:p>
@@ -15476,8 +16366,8 @@
         </p:nvSpPr>
         <p:spPr>
           <a:xfrm>
-            <a:off x="1981200" y="1201738"/>
-            <a:ext cx="8229600" cy="4527550"/>
+            <a:off x="899889" y="1085626"/>
+            <a:ext cx="7547425" cy="4527550"/>
           </a:xfrm>
         </p:spPr>
         <p:txBody>
@@ -15503,15 +16393,35 @@
             </a:pPr>
             <a:r>
               <a:rPr lang="en-GB" sz="2400" dirty="0"/>
-              <a:t>The probability of model 2 vs. model 1, given the data</a:t>
-            </a:r>
+              <a:t>The probability of model 2 vs. model 1, given the </a:t>
+            </a:r>
+            <a:r>
+              <a:rPr lang="en-GB" sz="2400" dirty="0" smtClean="0"/>
+              <a:t>data </a:t>
+            </a:r>
+            <a:br>
+              <a:rPr lang="en-GB" sz="2400" dirty="0" smtClean="0"/>
+            </a:br>
+            <a:r>
+              <a:rPr lang="en-GB" sz="2400" dirty="0" smtClean="0"/>
+              <a:t>(</a:t>
+            </a:r>
+            <a:r>
+              <a:rPr lang="en-GB" sz="2400" dirty="0" err="1" smtClean="0"/>
+              <a:t>Rouder</a:t>
+            </a:r>
+            <a:r>
+              <a:rPr lang="en-GB" sz="2400" dirty="0" smtClean="0"/>
+              <a:t> &amp; Morey, 2012)</a:t>
+            </a:r>
+            <a:endParaRPr lang="en-GB" sz="2400" dirty="0"/>
           </a:p>
           <a:p>
             <a:pPr marL="0" indent="0">
               <a:buNone/>
               <a:defRPr/>
             </a:pPr>
-            <a:endParaRPr lang="en-GB" sz="2400" dirty="0"/>
+            <a:endParaRPr lang="en-GB" sz="1200" dirty="0"/>
           </a:p>
           <a:p>
             <a:pPr lvl="1">
@@ -15564,7 +16474,7 @@
               <a:buNone/>
               <a:defRPr/>
             </a:pPr>
-            <a:endParaRPr lang="en-GB" dirty="0"/>
+            <a:endParaRPr lang="en-GB" sz="1000" dirty="0"/>
           </a:p>
           <a:p>
             <a:pPr>
@@ -15607,11 +16517,119 @@
             </a:pPr>
             <a:endParaRPr lang="en-GB" dirty="0" smtClean="0"/>
           </a:p>
+        </p:txBody>
+      </p:sp>
+      <p:sp>
+        <p:nvSpPr>
+          <p:cNvPr id="2" name="Rectangle 1"/>
+          <p:cNvSpPr/>
+          <p:nvPr/>
+        </p:nvSpPr>
+        <p:spPr>
+          <a:xfrm>
+            <a:off x="5080000" y="6231791"/>
+            <a:ext cx="6096000" cy="461665"/>
+          </a:xfrm>
+          <a:prstGeom prst="rect">
+            <a:avLst/>
+          </a:prstGeom>
+        </p:spPr>
+        <p:txBody>
+          <a:bodyPr>
+            <a:spAutoFit/>
+          </a:bodyPr>
+          <a:lstStyle/>
           <a:p>
             <a:pPr>
               <a:defRPr/>
             </a:pPr>
-            <a:endParaRPr lang="en-GB" dirty="0"/>
+            <a:r>
+              <a:rPr lang="en-GB" sz="1200" dirty="0" err="1">
+                <a:solidFill>
+                  <a:schemeClr val="bg1">
+                    <a:lumMod val="50000"/>
+                  </a:schemeClr>
+                </a:solidFill>
+              </a:rPr>
+              <a:t>Rouder</a:t>
+            </a:r>
+            <a:r>
+              <a:rPr lang="en-GB" sz="1200" dirty="0">
+                <a:solidFill>
+                  <a:schemeClr val="bg1">
+                    <a:lumMod val="50000"/>
+                  </a:schemeClr>
+                </a:solidFill>
+              </a:rPr>
+              <a:t>, J. N., Morey, R. D., </a:t>
+            </a:r>
+            <a:r>
+              <a:rPr lang="en-GB" sz="1200" dirty="0" err="1">
+                <a:solidFill>
+                  <a:schemeClr val="bg1">
+                    <a:lumMod val="50000"/>
+                  </a:schemeClr>
+                </a:solidFill>
+              </a:rPr>
+              <a:t>Speckman</a:t>
+            </a:r>
+            <a:r>
+              <a:rPr lang="en-GB" sz="1200" dirty="0">
+                <a:solidFill>
+                  <a:schemeClr val="bg1">
+                    <a:lumMod val="50000"/>
+                  </a:schemeClr>
+                </a:solidFill>
+              </a:rPr>
+              <a:t>, P. L., &amp; Province, J. M. (2012). Default Bayes factors for ANOVA designs. </a:t>
+            </a:r>
+            <a:r>
+              <a:rPr lang="en-GB" sz="1200" i="1" dirty="0">
+                <a:solidFill>
+                  <a:schemeClr val="bg1">
+                    <a:lumMod val="50000"/>
+                  </a:schemeClr>
+                </a:solidFill>
+              </a:rPr>
+              <a:t>Journal of Mathematical Psychology</a:t>
+            </a:r>
+            <a:r>
+              <a:rPr lang="en-GB" sz="1200" dirty="0">
+                <a:solidFill>
+                  <a:schemeClr val="bg1">
+                    <a:lumMod val="50000"/>
+                  </a:schemeClr>
+                </a:solidFill>
+              </a:rPr>
+              <a:t>, </a:t>
+            </a:r>
+            <a:r>
+              <a:rPr lang="en-GB" sz="1200" i="1" dirty="0">
+                <a:solidFill>
+                  <a:schemeClr val="bg1">
+                    <a:lumMod val="50000"/>
+                  </a:schemeClr>
+                </a:solidFill>
+              </a:rPr>
+              <a:t>56</a:t>
+            </a:r>
+            <a:r>
+              <a:rPr lang="en-GB" sz="1200" dirty="0">
+                <a:solidFill>
+                  <a:schemeClr val="bg1">
+                    <a:lumMod val="50000"/>
+                  </a:schemeClr>
+                </a:solidFill>
+              </a:rPr>
+              <a:t>(5), 356-374.</a:t>
+            </a:r>
+            <a:endParaRPr lang="en-GB" sz="1200" dirty="0">
+              <a:solidFill>
+                <a:schemeClr val="bg1">
+                  <a:lumMod val="50000"/>
+                </a:schemeClr>
+              </a:solidFill>
+            </a:endParaRPr>
           </a:p>
         </p:txBody>
       </p:sp>
@@ -15994,18 +17012,23 @@
             <p:ph idx="1"/>
           </p:nvPr>
         </p:nvSpPr>
-        <p:spPr/>
+        <p:spPr>
+          <a:xfrm>
+            <a:off x="1658319" y="1600201"/>
+            <a:ext cx="8839200" cy="4525963"/>
+          </a:xfrm>
+        </p:spPr>
         <p:txBody>
           <a:bodyPr/>
           <a:lstStyle/>
           <a:p>
             <a:pPr lvl="1"/>
             <a:r>
-              <a:rPr lang="en-GB" altLang="en-US" sz="2400"/>
+              <a:rPr lang="en-GB" altLang="en-US" sz="2400" dirty="0"/>
               <a:t>Allow us to quantify evidence for the </a:t>
             </a:r>
             <a:r>
-              <a:rPr lang="en-GB" altLang="en-US" sz="2400" b="1">
+              <a:rPr lang="en-GB" altLang="en-US" sz="2400" b="1" dirty="0">
                 <a:solidFill>
                   <a:schemeClr val="tx2"/>
                 </a:solidFill>
@@ -16013,22 +17036,22 @@
               <a:t>null hypothesis </a:t>
             </a:r>
             <a:r>
-              <a:rPr lang="en-GB" altLang="en-US" sz="2400"/>
+              <a:rPr lang="en-GB" altLang="en-US" sz="2400" dirty="0"/>
               <a:t>(simpler model over the more complex one)</a:t>
             </a:r>
           </a:p>
           <a:p>
             <a:pPr lvl="1"/>
-            <a:endParaRPr lang="en-GB" altLang="en-US" sz="2400"/>
+            <a:endParaRPr lang="en-GB" altLang="en-US" sz="2400" dirty="0"/>
           </a:p>
           <a:p>
             <a:pPr lvl="1"/>
             <a:r>
-              <a:rPr lang="en-GB" altLang="en-US" sz="2400"/>
+              <a:rPr lang="en-GB" altLang="en-US" sz="2400" dirty="0"/>
               <a:t>Are another </a:t>
             </a:r>
             <a:r>
-              <a:rPr lang="en-GB" altLang="en-US" sz="2400" b="1">
+              <a:rPr lang="en-GB" altLang="en-US" sz="2400" b="1" dirty="0">
                 <a:solidFill>
                   <a:schemeClr val="tx2"/>
                 </a:solidFill>
@@ -16036,22 +17059,31 @@
               <a:t>tool</a:t>
             </a:r>
             <a:r>
-              <a:rPr lang="en-GB" altLang="en-US" sz="2400"/>
-              <a:t> in your toolkit alongside classical statistics (useful given limitations of NHST)</a:t>
-            </a:r>
+              <a:rPr lang="en-GB" altLang="en-US" sz="2400" dirty="0"/>
+              <a:t> in your toolkit alongside classical statistics (useful given </a:t>
+            </a:r>
+            <a:r>
+              <a:rPr lang="en-GB" altLang="en-US" sz="2400" dirty="0" smtClean="0"/>
+              <a:t>its </a:t>
+            </a:r>
+            <a:r>
+              <a:rPr lang="en-GB" altLang="en-US" sz="2400" dirty="0" smtClean="0"/>
+              <a:t>limitations)</a:t>
+            </a:r>
+            <a:endParaRPr lang="en-GB" altLang="en-US" sz="2400" dirty="0"/>
           </a:p>
           <a:p>
             <a:pPr lvl="1"/>
-            <a:endParaRPr lang="en-GB" altLang="en-US" sz="2400"/>
+            <a:endParaRPr lang="en-GB" altLang="en-US" sz="2400" dirty="0"/>
           </a:p>
           <a:p>
             <a:pPr lvl="1"/>
             <a:r>
-              <a:rPr lang="en-GB" altLang="en-US" sz="2400"/>
+              <a:rPr lang="en-GB" altLang="en-US" sz="2400" dirty="0"/>
               <a:t>Are increasingly reported </a:t>
             </a:r>
             <a:r>
-              <a:rPr lang="en-GB" altLang="en-US" sz="2400" b="1">
+              <a:rPr lang="en-GB" altLang="en-US" sz="2400" b="1" dirty="0">
                 <a:solidFill>
                   <a:schemeClr val="tx2"/>
                 </a:solidFill>
@@ -16059,23 +17091,23 @@
               <a:t>alongside</a:t>
             </a:r>
             <a:r>
-              <a:rPr lang="en-GB" altLang="en-US" sz="2400"/>
+              <a:rPr lang="en-GB" altLang="en-US" sz="2400" dirty="0"/>
               <a:t> classical statistics in articles (e.g., </a:t>
             </a:r>
             <a:r>
-              <a:rPr lang="en-GB" altLang="en-US" sz="2400" i="1"/>
+              <a:rPr lang="en-GB" altLang="en-US" sz="2400" i="1" dirty="0"/>
               <a:t>t</a:t>
             </a:r>
             <a:r>
-              <a:rPr lang="en-GB" altLang="en-US" sz="2400"/>
+              <a:rPr lang="en-GB" altLang="en-US" sz="2400" dirty="0"/>
               <a:t>-test, ANOVA).</a:t>
             </a:r>
           </a:p>
           <a:p>
-            <a:endParaRPr lang="en-GB" altLang="en-US" sz="2400"/>
-          </a:p>
-          <a:p>
-            <a:endParaRPr lang="en-GB" altLang="en-US" sz="2400"/>
+            <a:endParaRPr lang="en-GB" altLang="en-US" sz="2400" dirty="0"/>
+          </a:p>
+          <a:p>
+            <a:endParaRPr lang="en-GB" altLang="en-US" sz="2400" dirty="0"/>
           </a:p>
         </p:txBody>
       </p:sp>
@@ -16349,7 +17381,12 @@
             <p:ph idx="1"/>
           </p:nvPr>
         </p:nvSpPr>
-        <p:spPr/>
+        <p:spPr>
+          <a:xfrm>
+            <a:off x="1766803" y="1600201"/>
+            <a:ext cx="8575729" cy="4525963"/>
+          </a:xfrm>
+        </p:spPr>
         <p:txBody>
           <a:bodyPr/>
           <a:lstStyle/>
@@ -16390,49 +17427,35 @@
             </a:pPr>
             <a:r>
               <a:rPr lang="en-GB" sz="2400" dirty="0"/>
-              <a:t>	library(</a:t>
-            </a:r>
-            <a:r>
-              <a:rPr lang="en-GB" sz="2400" dirty="0" err="1"/>
-              <a:t>BayesFactor</a:t>
-            </a:r>
-            <a:r>
-              <a:rPr lang="en-GB" sz="2400" dirty="0"/>
-              <a:t>)</a:t>
-            </a:r>
+              <a:t>	</a:t>
+            </a:r>
+            <a:endParaRPr lang="en-GB" sz="2400" dirty="0" smtClean="0"/>
           </a:p>
           <a:p>
             <a:pPr marL="0" indent="0">
               <a:buNone/>
               <a:defRPr/>
             </a:pPr>
-            <a:r>
-              <a:rPr lang="en-GB" sz="2400" dirty="0"/>
-              <a:t>	</a:t>
-            </a:r>
-            <a:r>
-              <a:rPr lang="en-GB" sz="2400" dirty="0" err="1"/>
-              <a:t>lmBF</a:t>
-            </a:r>
-            <a:r>
-              <a:rPr lang="en-GB" sz="2400" dirty="0"/>
-              <a:t>()</a:t>
-            </a:r>
+            <a:endParaRPr lang="en-GB" sz="2400" dirty="0"/>
           </a:p>
           <a:p>
             <a:pPr marL="0" indent="0">
               <a:buNone/>
               <a:defRPr/>
             </a:pPr>
-            <a:endParaRPr lang="en-GB" sz="2400" dirty="0"/>
+            <a:endParaRPr lang="en-GB" sz="2400" dirty="0" smtClean="0"/>
           </a:p>
           <a:p>
             <a:pPr>
               <a:defRPr/>
             </a:pPr>
             <a:r>
+              <a:rPr lang="en-GB" sz="2400" dirty="0" smtClean="0"/>
+              <a:t>Returns </a:t>
+            </a:r>
+            <a:r>
               <a:rPr lang="en-GB" sz="2400" dirty="0"/>
-              <a:t>Returns the </a:t>
+              <a:t>the </a:t>
             </a:r>
             <a:r>
               <a:rPr lang="en-GB" sz="2400" b="1" dirty="0">
@@ -16464,8 +17487,21 @@
                   <a:schemeClr val="tx2"/>
                 </a:solidFill>
               </a:rPr>
-              <a:t>intercept alone</a:t>
-            </a:r>
+              <a:t>intercept </a:t>
+            </a:r>
+            <a:r>
+              <a:rPr lang="en-GB" sz="2400" dirty="0" smtClean="0">
+                <a:solidFill>
+                  <a:schemeClr val="tx2"/>
+                </a:solidFill>
+              </a:rPr>
+              <a:t>only model</a:t>
+            </a:r>
+            <a:endParaRPr lang="en-GB" sz="2400" dirty="0">
+              <a:solidFill>
+                <a:schemeClr val="tx2"/>
+              </a:solidFill>
+            </a:endParaRPr>
           </a:p>
           <a:p>
             <a:pPr>
@@ -16526,6 +17562,100 @@
               <a:t>16</a:t>
             </a:fld>
             <a:endParaRPr lang="en-US"/>
+          </a:p>
+        </p:txBody>
+      </p:sp>
+      <p:sp>
+        <p:nvSpPr>
+          <p:cNvPr id="5" name="TextBox 4"/>
+          <p:cNvSpPr txBox="1"/>
+          <p:nvPr/>
+        </p:nvSpPr>
+        <p:spPr>
+          <a:xfrm>
+            <a:off x="1766803" y="2154692"/>
+            <a:ext cx="3658877" cy="707886"/>
+          </a:xfrm>
+          <a:prstGeom prst="rect">
+            <a:avLst/>
+          </a:prstGeom>
+          <a:solidFill>
+            <a:schemeClr val="bg1">
+              <a:lumMod val="85000"/>
+            </a:schemeClr>
+          </a:solidFill>
+        </p:spPr>
+        <p:txBody>
+          <a:bodyPr wrap="square">
+            <a:spAutoFit/>
+          </a:bodyPr>
+          <a:lstStyle/>
+          <a:p>
+            <a:pPr>
+              <a:defRPr/>
+            </a:pPr>
+            <a:r>
+              <a:rPr lang="en-GB" sz="2000" b="1" dirty="0" smtClean="0">
+                <a:solidFill>
+                  <a:schemeClr val="tx1"/>
+                </a:solidFill>
+                <a:latin typeface="Courier New" panose="02070309020205020404" pitchFamily="49" charset="0"/>
+                <a:cs typeface="Courier New" panose="02070309020205020404" pitchFamily="49" charset="0"/>
+              </a:rPr>
+              <a:t>library(</a:t>
+            </a:r>
+            <a:r>
+              <a:rPr lang="en-GB" sz="2000" b="1" dirty="0" err="1" smtClean="0">
+                <a:solidFill>
+                  <a:schemeClr val="tx1"/>
+                </a:solidFill>
+                <a:latin typeface="Courier New" panose="02070309020205020404" pitchFamily="49" charset="0"/>
+                <a:cs typeface="Courier New" panose="02070309020205020404" pitchFamily="49" charset="0"/>
+              </a:rPr>
+              <a:t>BayesFactor</a:t>
+            </a:r>
+            <a:r>
+              <a:rPr lang="en-GB" sz="2000" b="1" dirty="0" smtClean="0">
+                <a:solidFill>
+                  <a:schemeClr val="tx1"/>
+                </a:solidFill>
+                <a:latin typeface="Courier New" panose="02070309020205020404" pitchFamily="49" charset="0"/>
+                <a:cs typeface="Courier New" panose="02070309020205020404" pitchFamily="49" charset="0"/>
+              </a:rPr>
+              <a:t>)</a:t>
+            </a:r>
+          </a:p>
+          <a:p>
+            <a:pPr>
+              <a:defRPr/>
+            </a:pPr>
+            <a:r>
+              <a:rPr lang="en-GB" sz="2000" b="1" dirty="0" err="1" smtClean="0">
+                <a:solidFill>
+                  <a:schemeClr val="tx1"/>
+                </a:solidFill>
+                <a:latin typeface="Courier New" panose="02070309020205020404" pitchFamily="49" charset="0"/>
+                <a:cs typeface="Courier New" panose="02070309020205020404" pitchFamily="49" charset="0"/>
+              </a:rPr>
+              <a:t>lmBF</a:t>
+            </a:r>
+            <a:r>
+              <a:rPr lang="en-GB" sz="2000" b="1" dirty="0" smtClean="0">
+                <a:solidFill>
+                  <a:schemeClr val="tx1"/>
+                </a:solidFill>
+                <a:latin typeface="Courier New" panose="02070309020205020404" pitchFamily="49" charset="0"/>
+                <a:cs typeface="Courier New" panose="02070309020205020404" pitchFamily="49" charset="0"/>
+              </a:rPr>
+              <a:t>()</a:t>
+            </a:r>
+            <a:endParaRPr lang="en-GB" sz="2000" b="1" dirty="0">
+              <a:solidFill>
+                <a:schemeClr val="tx1"/>
+              </a:solidFill>
+              <a:latin typeface="Courier New" panose="02070309020205020404" pitchFamily="49" charset="0"/>
+              <a:cs typeface="Courier New" panose="02070309020205020404" pitchFamily="49" charset="0"/>
+            </a:endParaRPr>
           </a:p>
         </p:txBody>
       </p:sp>
@@ -16577,7 +17707,7 @@
           <a:lstStyle/>
           <a:p>
             <a:r>
-              <a:rPr lang="en-GB" altLang="en-US" sz="2800"/>
+              <a:rPr lang="en-GB" altLang="en-US" sz="2800" dirty="0"/>
               <a:t>Compare Bayes Factors to compare models</a:t>
             </a:r>
           </a:p>
@@ -16604,38 +17734,42 @@
           <a:lstStyle/>
           <a:p>
             <a:pPr lvl="1"/>
-            <a:endParaRPr lang="en-GB" altLang="en-US" sz="2400"/>
+            <a:r>
+              <a:rPr lang="en-GB" altLang="en-US" sz="2400" b="1" dirty="0" smtClean="0">
+                <a:solidFill>
+                  <a:schemeClr val="tx2"/>
+                </a:solidFill>
+              </a:rPr>
+              <a:t>Model </a:t>
+            </a:r>
+            <a:r>
+              <a:rPr lang="en-GB" altLang="en-US" sz="2400" b="1" dirty="0">
+                <a:solidFill>
+                  <a:schemeClr val="tx2"/>
+                </a:solidFill>
+              </a:rPr>
+              <a:t>1: </a:t>
+            </a:r>
+            <a:r>
+              <a:rPr lang="en-GB" altLang="en-US" sz="2400" dirty="0"/>
+              <a:t/>
+            </a:r>
+            <a:br>
+              <a:rPr lang="en-GB" altLang="en-US" sz="2400" dirty="0"/>
+            </a:br>
+            <a:r>
+              <a:rPr lang="en-GB" altLang="en-US" sz="2400" dirty="0"/>
+              <a:t>  Final exam ~ entrance exam</a:t>
+            </a:r>
+            <a:br>
+              <a:rPr lang="en-GB" altLang="en-US" sz="2400" dirty="0"/>
+            </a:br>
+            <a:endParaRPr lang="en-GB" altLang="en-US" sz="2400" dirty="0"/>
           </a:p>
           <a:p>
             <a:pPr lvl="1"/>
             <a:r>
-              <a:rPr lang="en-GB" altLang="en-US" sz="2400" b="1">
-                <a:solidFill>
-                  <a:schemeClr val="tx2"/>
-                </a:solidFill>
-              </a:rPr>
-              <a:t>Model 1: </a:t>
-            </a:r>
-            <a:r>
-              <a:rPr lang="en-GB" altLang="en-US" sz="2400"/>
-              <a:t/>
-            </a:r>
-            <a:br>
-              <a:rPr lang="en-GB" altLang="en-US" sz="2400"/>
-            </a:br>
-            <a:r>
-              <a:rPr lang="en-GB" altLang="en-US" sz="2400"/>
-              <a:t>  Final exam ~ entrance exam</a:t>
-            </a:r>
-            <a:br>
-              <a:rPr lang="en-GB" altLang="en-US" sz="2400"/>
-            </a:br>
-            <a:endParaRPr lang="en-GB" altLang="en-US" sz="2400"/>
-          </a:p>
-          <a:p>
-            <a:pPr lvl="1"/>
-            <a:r>
-              <a:rPr lang="en-GB" altLang="en-US" sz="2400" b="1">
+              <a:rPr lang="en-GB" altLang="en-US" sz="2400" b="1" dirty="0">
                 <a:solidFill>
                   <a:schemeClr val="tx2"/>
                 </a:solidFill>
@@ -16643,39 +17777,42 @@
               <a:t>Model 2: </a:t>
             </a:r>
             <a:r>
-              <a:rPr lang="en-GB" altLang="en-US" sz="2400"/>
+              <a:rPr lang="en-GB" altLang="en-US" sz="2400" dirty="0"/>
               <a:t/>
             </a:r>
             <a:br>
-              <a:rPr lang="en-GB" altLang="en-US" sz="2400"/>
+              <a:rPr lang="en-GB" altLang="en-US" sz="2400" dirty="0"/>
             </a:br>
             <a:r>
-              <a:rPr lang="en-GB" altLang="en-US" sz="2400"/>
+              <a:rPr lang="en-GB" altLang="en-US" sz="2400" dirty="0"/>
               <a:t>  Final exam ~ entrance exam + age</a:t>
             </a:r>
           </a:p>
           <a:p>
-            <a:endParaRPr lang="en-GB" altLang="en-US" sz="2400"/>
+            <a:endParaRPr lang="en-GB" altLang="en-US" sz="2400" dirty="0" smtClean="0"/>
+          </a:p>
+          <a:p>
+            <a:endParaRPr lang="en-GB" altLang="en-US" sz="2400" dirty="0"/>
           </a:p>
           <a:p>
             <a:pPr lvl="1"/>
             <a:r>
-              <a:rPr lang="en-GB" altLang="en-US" sz="2400"/>
+              <a:rPr lang="en-GB" altLang="en-US" sz="2400" dirty="0"/>
               <a:t>Comparing the Bayes Factor for Model 2 vs Model 1 tells us the probability of Model 2 vs Model 1, given the data.</a:t>
             </a:r>
           </a:p>
           <a:p>
             <a:pPr lvl="1"/>
-            <a:endParaRPr lang="en-GB" altLang="en-US" sz="2400"/>
+            <a:endParaRPr lang="en-GB" altLang="en-US" sz="2400" dirty="0"/>
           </a:p>
           <a:p>
             <a:pPr lvl="1"/>
             <a:r>
-              <a:rPr lang="en-GB" altLang="en-US" sz="2400"/>
+              <a:rPr lang="en-GB" altLang="en-US" sz="2400" dirty="0"/>
               <a:t>e.g., BF = 3, Model 2 is </a:t>
             </a:r>
             <a:r>
-              <a:rPr lang="en-GB" altLang="en-US" sz="2400" b="1">
+              <a:rPr lang="en-GB" altLang="en-US" sz="2400" b="1" dirty="0">
                 <a:solidFill>
                   <a:schemeClr val="tx2"/>
                 </a:solidFill>
@@ -16683,7 +17820,7 @@
               <a:t>three</a:t>
             </a:r>
             <a:r>
-              <a:rPr lang="en-GB" altLang="en-US" sz="2400"/>
+              <a:rPr lang="en-GB" altLang="en-US" sz="2400" dirty="0"/>
               <a:t> times more likely than Model 1</a:t>
             </a:r>
           </a:p>
@@ -16715,6 +17852,55 @@
               <a:t>17</a:t>
             </a:fld>
             <a:endParaRPr lang="en-US"/>
+          </a:p>
+        </p:txBody>
+      </p:sp>
+      <p:sp>
+        <p:nvSpPr>
+          <p:cNvPr id="5" name="TextBox 4"/>
+          <p:cNvSpPr txBox="1"/>
+          <p:nvPr/>
+        </p:nvSpPr>
+        <p:spPr>
+          <a:xfrm>
+            <a:off x="2479729" y="3748931"/>
+            <a:ext cx="3400373" cy="400110"/>
+          </a:xfrm>
+          <a:prstGeom prst="rect">
+            <a:avLst/>
+          </a:prstGeom>
+          <a:solidFill>
+            <a:schemeClr val="bg1">
+              <a:lumMod val="85000"/>
+            </a:schemeClr>
+          </a:solidFill>
+        </p:spPr>
+        <p:txBody>
+          <a:bodyPr wrap="square">
+            <a:spAutoFit/>
+          </a:bodyPr>
+          <a:lstStyle/>
+          <a:p>
+            <a:pPr algn="ctr">
+              <a:defRPr/>
+            </a:pPr>
+            <a:r>
+              <a:rPr lang="en-GB" sz="2000" b="1" dirty="0" smtClean="0">
+                <a:solidFill>
+                  <a:schemeClr val="tx1"/>
+                </a:solidFill>
+                <a:latin typeface="Courier New" panose="02070309020205020404" pitchFamily="49" charset="0"/>
+                <a:cs typeface="Courier New" panose="02070309020205020404" pitchFamily="49" charset="0"/>
+              </a:rPr>
+              <a:t>model2BF / model1BF</a:t>
+            </a:r>
+            <a:endParaRPr lang="en-GB" sz="2000" b="1" dirty="0">
+              <a:solidFill>
+                <a:schemeClr val="tx1"/>
+              </a:solidFill>
+              <a:latin typeface="Courier New" panose="02070309020205020404" pitchFamily="49" charset="0"/>
+              <a:cs typeface="Courier New" panose="02070309020205020404" pitchFamily="49" charset="0"/>
+            </a:endParaRPr>
           </a:p>
         </p:txBody>
       </p:sp>
@@ -16774,13 +17960,22 @@
               <a:defRPr/>
             </a:pPr>
             <a:r>
-              <a:rPr lang="en-GB" altLang="en-US" sz="2800" dirty="0">
+              <a:rPr lang="en-GB" altLang="en-US" sz="2800" dirty="0" smtClean="0">
                 <a:solidFill>
                   <a:srgbClr val="002060"/>
                 </a:solidFill>
                 <a:latin typeface="+mn-lt"/>
               </a:rPr>
-              <a:t>Workshop</a:t>
+              <a:t>Workbook</a:t>
+            </a:r>
+            <a:r>
+              <a:rPr lang="en-GB" altLang="en-US" sz="2800" dirty="0">
+                <a:solidFill>
+                  <a:srgbClr val="002060"/>
+                </a:solidFill>
+                <a:latin typeface="+mn-lt"/>
+              </a:rPr>
+              <a:t/>
             </a:r>
             <a:br>
               <a:rPr lang="en-GB" altLang="en-US" sz="2800" dirty="0">
@@ -16865,7 +18060,25 @@
                 </a:solidFill>
                 <a:latin typeface="+mn-lt"/>
               </a:rPr>
-              <a:t>Today’s worksheet: “Building Models 2”</a:t>
+              <a:t>Today’s worksheet: </a:t>
+            </a:r>
+            <a:r>
+              <a:rPr lang="en-GB" altLang="en-US" sz="2800" dirty="0" smtClean="0">
+                <a:solidFill>
+                  <a:srgbClr val="002060"/>
+                </a:solidFill>
+                <a:latin typeface="+mn-lt"/>
+              </a:rPr>
+              <a:t>“Week 17 - Building </a:t>
+            </a:r>
+            <a:r>
+              <a:rPr lang="en-GB" altLang="en-US" sz="2800" dirty="0">
+                <a:solidFill>
+                  <a:srgbClr val="002060"/>
+                </a:solidFill>
+                <a:latin typeface="+mn-lt"/>
+              </a:rPr>
+              <a:t>Models 2”</a:t>
             </a:r>
           </a:p>
         </p:txBody>
@@ -20057,125 +21270,6 @@
       </p:grpSpPr>
       <p:sp>
         <p:nvSpPr>
-          <p:cNvPr id="11266" name="Title 1"/>
-          <p:cNvSpPr>
-            <a:spLocks noGrp="1"/>
-          </p:cNvSpPr>
-          <p:nvPr>
-            <p:ph type="title"/>
-          </p:nvPr>
-        </p:nvSpPr>
-        <p:spPr>
-          <a:xfrm>
-            <a:off x="3336926" y="930276"/>
-            <a:ext cx="6564313" cy="4829175"/>
-          </a:xfrm>
-        </p:spPr>
-        <p:txBody>
-          <a:bodyPr/>
-          <a:lstStyle/>
-          <a:p>
-            <a:pPr algn="l" eaLnBrk="1" hangingPunct="1"/>
-            <a:r>
-              <a:rPr lang="en-GB" altLang="en-US" sz="3200" dirty="0"/>
-              <a:t>Today</a:t>
-            </a:r>
-            <a:br>
-              <a:rPr lang="en-GB" altLang="en-US" sz="3200" dirty="0"/>
-            </a:br>
-            <a:r>
-              <a:rPr lang="en-GB" altLang="en-US" sz="3200" dirty="0"/>
-              <a:t/>
-            </a:r>
-            <a:br>
-              <a:rPr lang="en-GB" altLang="en-US" sz="3200" dirty="0"/>
-            </a:br>
-            <a:r>
-              <a:rPr lang="en-GB" altLang="en-US" sz="3200" dirty="0"/>
-              <a:t>- Overview: </a:t>
-            </a:r>
-            <a:r>
-              <a:rPr lang="en-GB" altLang="en-US" sz="3200" dirty="0">
-                <a:solidFill>
-                  <a:srgbClr val="000066"/>
-                </a:solidFill>
-              </a:rPr>
-              <a:t>comparing models</a:t>
-            </a:r>
-            <a:r>
-              <a:rPr lang="en-GB" altLang="en-US" sz="3200" dirty="0"/>
-              <a:t/>
-            </a:r>
-            <a:br>
-              <a:rPr lang="en-GB" altLang="en-US" sz="3200" dirty="0"/>
-            </a:br>
-            <a:r>
-              <a:rPr lang="en-GB" altLang="en-US" sz="3200" dirty="0"/>
-              <a:t>- Workshop</a:t>
-            </a:r>
-            <a:br>
-              <a:rPr lang="en-GB" altLang="en-US" sz="3200" dirty="0"/>
-            </a:br>
-            <a:r>
-              <a:rPr lang="en-GB" altLang="en-US" sz="3200" dirty="0"/>
-              <a:t/>
-            </a:r>
-            <a:br>
-              <a:rPr lang="en-GB" altLang="en-US" sz="3200" dirty="0"/>
-            </a:br>
-            <a:r>
-              <a:rPr lang="en-GB" altLang="en-US" sz="3200" dirty="0"/>
-              <a:t>- Don’t forget! </a:t>
-            </a:r>
-            <a:br>
-              <a:rPr lang="en-GB" altLang="en-US" sz="3200" dirty="0"/>
-            </a:br>
-            <a:r>
-              <a:rPr lang="en-GB" altLang="en-US" sz="3200" dirty="0"/>
-              <a:t>Supplementary </a:t>
-            </a:r>
-            <a:r>
-              <a:rPr lang="en-GB" altLang="en-US" sz="3200" dirty="0" smtClean="0"/>
-              <a:t>sessions</a:t>
-            </a:r>
-            <a:endParaRPr lang="en-GB" altLang="en-US" sz="3200" dirty="0"/>
-          </a:p>
-        </p:txBody>
-      </p:sp>
-    </p:spTree>
-  </p:cSld>
-  <p:clrMapOvr>
-    <a:masterClrMapping/>
-  </p:clrMapOvr>
-  <p:timing>
-    <p:tnLst>
-      <p:par>
-        <p:cTn id="1" dur="indefinite" restart="never" nodeType="tmRoot"/>
-      </p:par>
-    </p:tnLst>
-  </p:timing>
-</p:sld>
-</file>
-
-<file path=ppt/slides/slide5.xml><?xml version="1.0" encoding="utf-8"?>
-<p:sld xmlns:a="http://schemas.openxmlformats.org/drawingml/2006/main" xmlns:r="http://schemas.openxmlformats.org/officeDocument/2006/relationships" xmlns:p="http://schemas.openxmlformats.org/presentationml/2006/main">
-  <p:cSld>
-    <p:spTree>
-      <p:nvGrpSpPr>
-        <p:cNvPr id="1" name=""/>
-        <p:cNvGrpSpPr/>
-        <p:nvPr/>
-      </p:nvGrpSpPr>
-      <p:grpSpPr>
-        <a:xfrm>
-          <a:off x="0" y="0"/>
-          <a:ext cx="0" cy="0"/>
-          <a:chOff x="0" y="0"/>
-          <a:chExt cx="0" cy="0"/>
-        </a:xfrm>
-      </p:grpSpPr>
-      <p:sp>
-        <p:nvSpPr>
           <p:cNvPr id="3" name="Content Placeholder 2"/>
           <p:cNvSpPr>
             <a:spLocks noGrp="1"/>
@@ -20404,7 +21498,7 @@
               <a:pPr>
                 <a:defRPr/>
               </a:pPr>
-              <a:t>5</a:t>
+              <a:t>4</a:t>
             </a:fld>
             <a:endParaRPr lang="en-US"/>
           </a:p>
@@ -20692,6 +21786,159 @@
 </p:sld>
 </file>
 
+<file path=ppt/slides/slide5.xml><?xml version="1.0" encoding="utf-8"?>
+<p:sld xmlns:a="http://schemas.openxmlformats.org/drawingml/2006/main" xmlns:r="http://schemas.openxmlformats.org/officeDocument/2006/relationships" xmlns:p="http://schemas.openxmlformats.org/presentationml/2006/main">
+  <p:cSld>
+    <p:spTree>
+      <p:nvGrpSpPr>
+        <p:cNvPr id="1" name=""/>
+        <p:cNvGrpSpPr/>
+        <p:nvPr/>
+      </p:nvGrpSpPr>
+      <p:grpSpPr>
+        <a:xfrm>
+          <a:off x="0" y="0"/>
+          <a:ext cx="0" cy="0"/>
+          <a:chOff x="0" y="0"/>
+          <a:chExt cx="0" cy="0"/>
+        </a:xfrm>
+      </p:grpSpPr>
+      <p:sp>
+        <p:nvSpPr>
+          <p:cNvPr id="11266" name="Title 1"/>
+          <p:cNvSpPr>
+            <a:spLocks noGrp="1"/>
+          </p:cNvSpPr>
+          <p:nvPr>
+            <p:ph type="title"/>
+          </p:nvPr>
+        </p:nvSpPr>
+        <p:spPr>
+          <a:xfrm>
+            <a:off x="3336926" y="930276"/>
+            <a:ext cx="6564313" cy="4829175"/>
+          </a:xfrm>
+        </p:spPr>
+        <p:txBody>
+          <a:bodyPr/>
+          <a:lstStyle/>
+          <a:p>
+            <a:pPr algn="l" eaLnBrk="1" hangingPunct="1"/>
+            <a:r>
+              <a:rPr lang="en-GB" altLang="en-US" sz="3200" dirty="0"/>
+              <a:t>Today</a:t>
+            </a:r>
+            <a:br>
+              <a:rPr lang="en-GB" altLang="en-US" sz="3200" dirty="0"/>
+            </a:br>
+            <a:r>
+              <a:rPr lang="en-GB" altLang="en-US" sz="3200" dirty="0"/>
+              <a:t/>
+            </a:r>
+            <a:br>
+              <a:rPr lang="en-GB" altLang="en-US" sz="3200" dirty="0"/>
+            </a:br>
+            <a:r>
+              <a:rPr lang="en-GB" altLang="en-US" sz="3200" dirty="0"/>
+              <a:t>- Overview</a:t>
+            </a:r>
+            <a:r>
+              <a:rPr lang="en-GB" altLang="en-US" sz="3200" dirty="0" smtClean="0"/>
+              <a:t>: </a:t>
+            </a:r>
+            <a:r>
+              <a:rPr lang="en-GB" altLang="en-US" sz="3200" dirty="0">
+                <a:solidFill>
+                  <a:schemeClr val="tx2">
+                    <a:lumMod val="60000"/>
+                    <a:lumOff val="40000"/>
+                  </a:schemeClr>
+                </a:solidFill>
+              </a:rPr>
+              <a:t>comparing </a:t>
+            </a:r>
+            <a:r>
+              <a:rPr lang="en-GB" altLang="en-US" sz="3200" dirty="0" smtClean="0">
+                <a:solidFill>
+                  <a:schemeClr val="tx2">
+                    <a:lumMod val="60000"/>
+                    <a:lumOff val="40000"/>
+                  </a:schemeClr>
+                </a:solidFill>
+              </a:rPr>
+              <a:t>models with ANOVA and Bayes Factors</a:t>
+            </a:r>
+            <a:r>
+              <a:rPr lang="en-GB" altLang="en-US" sz="3200" dirty="0"/>
+              <a:t/>
+            </a:r>
+            <a:br>
+              <a:rPr lang="en-GB" altLang="en-US" sz="3200" dirty="0"/>
+            </a:br>
+            <a:r>
+              <a:rPr lang="en-GB" altLang="en-US" sz="3200" dirty="0"/>
+              <a:t>- </a:t>
+            </a:r>
+            <a:r>
+              <a:rPr lang="en-GB" altLang="en-US" sz="3200" dirty="0" smtClean="0"/>
+              <a:t>Workbook</a:t>
+            </a:r>
+            <a:r>
+              <a:rPr lang="en-GB" altLang="en-US" sz="3200" dirty="0"/>
+              <a:t/>
+            </a:r>
+            <a:br>
+              <a:rPr lang="en-GB" altLang="en-US" sz="3200" dirty="0"/>
+            </a:br>
+            <a:r>
+              <a:rPr lang="en-GB" altLang="en-US" sz="3200" dirty="0"/>
+              <a:t/>
+            </a:r>
+            <a:br>
+              <a:rPr lang="en-GB" altLang="en-US" sz="3200" dirty="0"/>
+            </a:br>
+            <a:r>
+              <a:rPr lang="en-GB" altLang="en-US" sz="3200" dirty="0"/>
+              <a:t>- Don’t </a:t>
+            </a:r>
+            <a:r>
+              <a:rPr lang="en-GB" altLang="en-US" sz="3200" dirty="0" smtClean="0"/>
+              <a:t>forget </a:t>
+            </a:r>
+            <a:r>
+              <a:rPr lang="en-GB" altLang="en-US" sz="3200" dirty="0"/>
+              <a:t/>
+            </a:r>
+            <a:br>
+              <a:rPr lang="en-GB" altLang="en-US" sz="3200" dirty="0"/>
+            </a:br>
+            <a:r>
+              <a:rPr lang="en-GB" altLang="en-US" sz="3200" dirty="0"/>
+              <a:t>Supplementary </a:t>
+            </a:r>
+            <a:r>
+              <a:rPr lang="en-GB" altLang="en-US" sz="3200" dirty="0" smtClean="0"/>
+              <a:t>sessions</a:t>
+            </a:r>
+            <a:endParaRPr lang="en-GB" altLang="en-US" sz="3200" dirty="0"/>
+          </a:p>
+        </p:txBody>
+      </p:sp>
+    </p:spTree>
+  </p:cSld>
+  <p:clrMapOvr>
+    <a:masterClrMapping/>
+  </p:clrMapOvr>
+  <p:timing>
+    <p:tnLst>
+      <p:par>
+        <p:cTn id="1" dur="indefinite" restart="never" nodeType="tmRoot"/>
+      </p:par>
+    </p:tnLst>
+  </p:timing>
+</p:sld>
+</file>
+
 <file path=ppt/slides/slide6.xml><?xml version="1.0" encoding="utf-8"?>
 <p:sld xmlns:a="http://schemas.openxmlformats.org/drawingml/2006/main" xmlns:r="http://schemas.openxmlformats.org/officeDocument/2006/relationships" xmlns:p="http://schemas.openxmlformats.org/presentationml/2006/main">
   <p:cSld>
@@ -20721,8 +21968,8 @@
         </p:nvSpPr>
         <p:spPr>
           <a:xfrm>
-            <a:off x="1981200" y="292100"/>
-            <a:ext cx="8229600" cy="5295900"/>
+            <a:off x="1720309" y="292100"/>
+            <a:ext cx="8710047" cy="5295900"/>
           </a:xfrm>
         </p:spPr>
         <p:txBody>
@@ -21006,7 +22253,37 @@
                   </a:schemeClr>
                 </a:solidFill>
               </a:rPr>
-              <a:t>Predicted Final Exam  = -46.3 + 3.2*Entrance Exam + 2.1*age + 4.7*project</a:t>
+              <a:t>Predicted Final Exam  = </a:t>
+            </a:r>
+            <a:r>
+              <a:rPr lang="en-GB" sz="1800" b="1" dirty="0" smtClean="0">
+                <a:solidFill>
+                  <a:schemeClr val="tx2">
+                    <a:lumMod val="75000"/>
+                  </a:schemeClr>
+                </a:solidFill>
+              </a:rPr>
+              <a:t>- 46.3  +  </a:t>
+            </a:r>
+            <a:r>
+              <a:rPr lang="en-GB" sz="1800" b="1" dirty="0">
+                <a:solidFill>
+                  <a:schemeClr val="tx2">
+                    <a:lumMod val="75000"/>
+                  </a:schemeClr>
+                </a:solidFill>
+              </a:rPr>
+              <a:t>3.2*Entrance Exam </a:t>
+            </a:r>
+            <a:r>
+              <a:rPr lang="en-GB" sz="1800" b="1" dirty="0" smtClean="0">
+                <a:solidFill>
+                  <a:schemeClr val="tx2">
+                    <a:lumMod val="75000"/>
+                  </a:schemeClr>
+                </a:solidFill>
+              </a:rPr>
+              <a:t> +  2.1*age  +  4.7*project</a:t>
             </a:r>
             <a:endParaRPr lang="en-GB" sz="2400" b="1" dirty="0">
               <a:solidFill>
@@ -26664,6 +27941,15 @@
 </file>
 
 <file path=customXml/item1.xml><?xml version="1.0" encoding="utf-8"?>
+<?mso-contentType ?>
+<FormTemplates xmlns="http://schemas.microsoft.com/sharepoint/v3/contenttype/forms">
+  <Display>DocumentLibraryForm</Display>
+  <Edit>DocumentLibraryForm</Edit>
+  <New>DocumentLibraryForm</New>
+</FormTemplates>
+</file>
+
+<file path=customXml/item2.xml><?xml version="1.0" encoding="utf-8"?>
 <ct:contentTypeSchema xmlns:ct="http://schemas.microsoft.com/office/2006/metadata/contentType" xmlns:ma="http://schemas.microsoft.com/office/2006/metadata/properties/metaAttributes" ct:_="" ma:_="" ma:contentTypeName="Document" ma:contentTypeID="0x01010039C78F475D24344A969CCF416FCD45BB" ma:contentTypeVersion="13" ma:contentTypeDescription="Create a new document." ma:contentTypeScope="" ma:versionID="a0c5b494e4ac53bd353fcdbd7799a3f3">
   <xsd:schema xmlns:xsd="http://www.w3.org/2001/XMLSchema" xmlns:xs="http://www.w3.org/2001/XMLSchema" xmlns:p="http://schemas.microsoft.com/office/2006/metadata/properties" xmlns:ns3="1114de93-f3f1-4006-86a7-5ccf45982f95" xmlns:ns4="73a95059-53ff-4649-9213-6c5f0c8cde5d" targetNamespace="http://schemas.microsoft.com/office/2006/metadata/properties" ma:root="true" ma:fieldsID="ec7692872867c9011b958cb5bd08a7df" ns3:_="" ns4:_="">
     <xsd:import namespace="1114de93-f3f1-4006-86a7-5ccf45982f95"/>
@@ -26886,15 +28172,6 @@
 </ct:contentTypeSchema>
 </file>
 
-<file path=customXml/item2.xml><?xml version="1.0" encoding="utf-8"?>
-<?mso-contentType ?>
-<FormTemplates xmlns="http://schemas.microsoft.com/sharepoint/v3/contenttype/forms">
-  <Display>DocumentLibraryForm</Display>
-  <Edit>DocumentLibraryForm</Edit>
-  <New>DocumentLibraryForm</New>
-</FormTemplates>
-</file>
-
 <file path=customXml/item3.xml><?xml version="1.0" encoding="utf-8"?>
 <p:properties xmlns:p="http://schemas.microsoft.com/office/2006/metadata/properties" xmlns:xsi="http://www.w3.org/2001/XMLSchema-instance" xmlns:pc="http://schemas.microsoft.com/office/infopath/2007/PartnerControls">
   <documentManagement/>
@@ -26902,6 +28179,14 @@
 </file>
 
 <file path=customXml/itemProps1.xml><?xml version="1.0" encoding="utf-8"?>
+<ds:datastoreItem xmlns:ds="http://schemas.openxmlformats.org/officeDocument/2006/customXml" ds:itemID="{447DF16D-EDB1-4A91-94EE-E5959D80D873}">
+  <ds:schemaRefs>
+    <ds:schemaRef ds:uri="http://schemas.microsoft.com/sharepoint/v3/contenttype/forms"/>
+  </ds:schemaRefs>
+</ds:datastoreItem>
+</file>
+
+<file path=customXml/itemProps2.xml><?xml version="1.0" encoding="utf-8"?>
 <ds:datastoreItem xmlns:ds="http://schemas.openxmlformats.org/officeDocument/2006/customXml" ds:itemID="{AC1A1EA3-C8FE-48BC-8B95-A1AF1870FBCA}">
   <ds:schemaRefs>
     <ds:schemaRef ds:uri="http://schemas.microsoft.com/office/2006/metadata/contentType"/>
@@ -26916,14 +28201,6 @@
     <ds:schemaRef ds:uri="http://purl.org/dc/elements/1.1/"/>
     <ds:schemaRef ds:uri="http://purl.org/dc/terms/"/>
     <ds:schemaRef ds:uri="http://schemas.microsoft.com/internal/obd"/>
-  </ds:schemaRefs>
-</ds:datastoreItem>
-</file>
-
-<file path=customXml/itemProps2.xml><?xml version="1.0" encoding="utf-8"?>
-<ds:datastoreItem xmlns:ds="http://schemas.openxmlformats.org/officeDocument/2006/customXml" ds:itemID="{447DF16D-EDB1-4A91-94EE-E5959D80D873}">
-  <ds:schemaRefs>
-    <ds:schemaRef ds:uri="http://schemas.microsoft.com/sharepoint/v3/contenttype/forms"/>
   </ds:schemaRefs>
 </ds:datastoreItem>
 </file>

--- a/docs/slides/PSYC753_Chris2.pptx
+++ b/docs/slides/PSYC753_Chris2.pptx
@@ -15383,15 +15383,7 @@
             </a:br>
             <a:r>
               <a:rPr lang="en-GB" altLang="en-US" dirty="0" smtClean="0"/>
-              <a:t>Self-esteem is related to pre-morbid </a:t>
-            </a:r>
-            <a:r>
-              <a:rPr lang="en-GB" altLang="en-US" dirty="0" smtClean="0"/>
-              <a:t>adjustment in </a:t>
-            </a:r>
-            <a:r>
-              <a:rPr lang="en-GB" altLang="en-US" dirty="0" smtClean="0"/>
-              <a:t>early psychosis</a:t>
+              <a:t>Self-esteem is related to pre-morbid adjustment in early psychosis</a:t>
             </a:r>
           </a:p>
         </p:txBody>
@@ -15444,11 +15436,7 @@
             </a:r>
             <a:r>
               <a:rPr lang="en-GB" dirty="0" smtClean="0"/>
-              <a:t>: age, gender </a:t>
-            </a:r>
-            <a:r>
-              <a:rPr lang="en-GB" dirty="0" smtClean="0"/>
-              <a:t>(</a:t>
+              <a:t>: age, gender (</a:t>
             </a:r>
             <a:r>
               <a:rPr lang="en-GB" dirty="0" err="1"/>
@@ -15478,7 +15466,6 @@
               <a:rPr lang="en-GB" dirty="0" smtClean="0"/>
               <a:t>)</a:t>
             </a:r>
-            <a:endParaRPr lang="en-GB" dirty="0" smtClean="0"/>
           </a:p>
           <a:p>
             <a:pPr lvl="1">
@@ -15490,11 +15477,7 @@
             </a:r>
             <a:r>
               <a:rPr lang="en-GB" dirty="0" smtClean="0"/>
-              <a:t>: premorbid adjustment (social and academic functioning prior to psychosis onset) </a:t>
-            </a:r>
-            <a:r>
-              <a:rPr lang="en-GB" dirty="0" smtClean="0"/>
-              <a:t>(</a:t>
+              <a:t>: premorbid adjustment (social and academic functioning prior to psychosis onset) (</a:t>
             </a:r>
             <a:r>
               <a:rPr lang="en-GB" dirty="0" err="1"/>
@@ -16412,7 +16395,11 @@
             </a:r>
             <a:r>
               <a:rPr lang="en-GB" sz="2400" dirty="0" smtClean="0"/>
-              <a:t> &amp; Morey, 2012)</a:t>
+              <a:t> &amp; Morey, </a:t>
+            </a:r>
+            <a:r>
+              <a:rPr lang="en-GB" sz="2400" dirty="0" smtClean="0"/>
+              <a:t>2012)</a:t>
             </a:r>
             <a:endParaRPr lang="en-GB" sz="2400" dirty="0"/>
           </a:p>
@@ -16561,27 +16548,27 @@
                   </a:schemeClr>
                 </a:solidFill>
               </a:rPr>
-              <a:t>, J. N., Morey, R. D., </a:t>
-            </a:r>
-            <a:r>
-              <a:rPr lang="en-GB" sz="1200" dirty="0" err="1">
+              <a:t>, J. N., &amp; Morey, R. D. (2012). Default Bayes factors for model selection in regression.</a:t>
+            </a:r>
+            <a:r>
+              <a:rPr lang="en-GB" sz="1200" i="1" dirty="0">
                 <a:solidFill>
                   <a:schemeClr val="bg1">
                     <a:lumMod val="50000"/>
                   </a:schemeClr>
                 </a:solidFill>
               </a:rPr>
-              <a:t>Speckman</a:t>
-            </a:r>
-            <a:r>
-              <a:rPr lang="en-GB" sz="1200" dirty="0">
+              <a:t> Multivariate </a:t>
+            </a:r>
+            <a:r>
+              <a:rPr lang="en-GB" sz="1200" i="1" dirty="0" err="1">
                 <a:solidFill>
                   <a:schemeClr val="bg1">
                     <a:lumMod val="50000"/>
                   </a:schemeClr>
                 </a:solidFill>
               </a:rPr>
-              <a:t>, P. L., &amp; Province, J. M. (2012). Default Bayes factors for ANOVA designs. </a:t>
+              <a:t>Behavioral</a:t>
             </a:r>
             <a:r>
               <a:rPr lang="en-GB" sz="1200" i="1" dirty="0">
@@ -16591,7 +16578,7 @@
                   </a:schemeClr>
                 </a:solidFill>
               </a:rPr>
-              <a:t>Journal of Mathematical Psychology</a:t>
+              <a:t> Research</a:t>
             </a:r>
             <a:r>
               <a:rPr lang="en-GB" sz="1200" dirty="0">
@@ -16611,7 +16598,7 @@
                   </a:schemeClr>
                 </a:solidFill>
               </a:rPr>
-              <a:t>56</a:t>
+              <a:t>47</a:t>
             </a:r>
             <a:r>
               <a:rPr lang="en-GB" sz="1200" dirty="0">
@@ -16621,15 +16608,8 @@
                   </a:schemeClr>
                 </a:solidFill>
               </a:rPr>
-              <a:t>(5), 356-374.</a:t>
-            </a:r>
-            <a:endParaRPr lang="en-GB" sz="1200" dirty="0">
-              <a:solidFill>
-                <a:schemeClr val="bg1">
-                  <a:lumMod val="50000"/>
-                </a:schemeClr>
-              </a:solidFill>
-            </a:endParaRPr>
+              <a:t>(6), 877-903.</a:t>
+            </a:r>
           </a:p>
         </p:txBody>
       </p:sp>
@@ -17064,11 +17044,7 @@
             </a:r>
             <a:r>
               <a:rPr lang="en-GB" altLang="en-US" sz="2400" dirty="0" smtClean="0"/>
-              <a:t>its </a:t>
-            </a:r>
-            <a:r>
-              <a:rPr lang="en-GB" altLang="en-US" sz="2400" dirty="0" smtClean="0"/>
-              <a:t>limitations)</a:t>
+              <a:t>its limitations)</a:t>
             </a:r>
             <a:endParaRPr lang="en-GB" altLang="en-US" sz="2400" dirty="0"/>
           </a:p>
@@ -27941,15 +27917,6 @@
 </file>
 
 <file path=customXml/item1.xml><?xml version="1.0" encoding="utf-8"?>
-<?mso-contentType ?>
-<FormTemplates xmlns="http://schemas.microsoft.com/sharepoint/v3/contenttype/forms">
-  <Display>DocumentLibraryForm</Display>
-  <Edit>DocumentLibraryForm</Edit>
-  <New>DocumentLibraryForm</New>
-</FormTemplates>
-</file>
-
-<file path=customXml/item2.xml><?xml version="1.0" encoding="utf-8"?>
 <ct:contentTypeSchema xmlns:ct="http://schemas.microsoft.com/office/2006/metadata/contentType" xmlns:ma="http://schemas.microsoft.com/office/2006/metadata/properties/metaAttributes" ct:_="" ma:_="" ma:contentTypeName="Document" ma:contentTypeID="0x01010039C78F475D24344A969CCF416FCD45BB" ma:contentTypeVersion="13" ma:contentTypeDescription="Create a new document." ma:contentTypeScope="" ma:versionID="a0c5b494e4ac53bd353fcdbd7799a3f3">
   <xsd:schema xmlns:xsd="http://www.w3.org/2001/XMLSchema" xmlns:xs="http://www.w3.org/2001/XMLSchema" xmlns:p="http://schemas.microsoft.com/office/2006/metadata/properties" xmlns:ns3="1114de93-f3f1-4006-86a7-5ccf45982f95" xmlns:ns4="73a95059-53ff-4649-9213-6c5f0c8cde5d" targetNamespace="http://schemas.microsoft.com/office/2006/metadata/properties" ma:root="true" ma:fieldsID="ec7692872867c9011b958cb5bd08a7df" ns3:_="" ns4:_="">
     <xsd:import namespace="1114de93-f3f1-4006-86a7-5ccf45982f95"/>
@@ -28172,6 +28139,15 @@
 </ct:contentTypeSchema>
 </file>
 
+<file path=customXml/item2.xml><?xml version="1.0" encoding="utf-8"?>
+<?mso-contentType ?>
+<FormTemplates xmlns="http://schemas.microsoft.com/sharepoint/v3/contenttype/forms">
+  <Display>DocumentLibraryForm</Display>
+  <Edit>DocumentLibraryForm</Edit>
+  <New>DocumentLibraryForm</New>
+</FormTemplates>
+</file>
+
 <file path=customXml/item3.xml><?xml version="1.0" encoding="utf-8"?>
 <p:properties xmlns:p="http://schemas.microsoft.com/office/2006/metadata/properties" xmlns:xsi="http://www.w3.org/2001/XMLSchema-instance" xmlns:pc="http://schemas.microsoft.com/office/infopath/2007/PartnerControls">
   <documentManagement/>
@@ -28179,14 +28155,6 @@
 </file>
 
 <file path=customXml/itemProps1.xml><?xml version="1.0" encoding="utf-8"?>
-<ds:datastoreItem xmlns:ds="http://schemas.openxmlformats.org/officeDocument/2006/customXml" ds:itemID="{447DF16D-EDB1-4A91-94EE-E5959D80D873}">
-  <ds:schemaRefs>
-    <ds:schemaRef ds:uri="http://schemas.microsoft.com/sharepoint/v3/contenttype/forms"/>
-  </ds:schemaRefs>
-</ds:datastoreItem>
-</file>
-
-<file path=customXml/itemProps2.xml><?xml version="1.0" encoding="utf-8"?>
 <ds:datastoreItem xmlns:ds="http://schemas.openxmlformats.org/officeDocument/2006/customXml" ds:itemID="{AC1A1EA3-C8FE-48BC-8B95-A1AF1870FBCA}">
   <ds:schemaRefs>
     <ds:schemaRef ds:uri="http://schemas.microsoft.com/office/2006/metadata/contentType"/>
@@ -28205,19 +28173,27 @@
 </ds:datastoreItem>
 </file>
 
+<file path=customXml/itemProps2.xml><?xml version="1.0" encoding="utf-8"?>
+<ds:datastoreItem xmlns:ds="http://schemas.openxmlformats.org/officeDocument/2006/customXml" ds:itemID="{447DF16D-EDB1-4A91-94EE-E5959D80D873}">
+  <ds:schemaRefs>
+    <ds:schemaRef ds:uri="http://schemas.microsoft.com/sharepoint/v3/contenttype/forms"/>
+  </ds:schemaRefs>
+</ds:datastoreItem>
+</file>
+
 <file path=customXml/itemProps3.xml><?xml version="1.0" encoding="utf-8"?>
 <ds:datastoreItem xmlns:ds="http://schemas.openxmlformats.org/officeDocument/2006/customXml" ds:itemID="{363FABFD-9C38-468F-9156-C39917D9F950}">
   <ds:schemaRefs>
-    <ds:schemaRef ds:uri="http://schemas.microsoft.com/office/infopath/2007/PartnerControls"/>
-    <ds:schemaRef ds:uri="http://purl.org/dc/terms/"/>
-    <ds:schemaRef ds:uri="http://schemas.microsoft.com/office/2006/documentManagement/types"/>
-    <ds:schemaRef ds:uri="http://schemas.openxmlformats.org/package/2006/metadata/core-properties"/>
     <ds:schemaRef ds:uri="73a95059-53ff-4649-9213-6c5f0c8cde5d"/>
     <ds:schemaRef ds:uri="1114de93-f3f1-4006-86a7-5ccf45982f95"/>
+    <ds:schemaRef ds:uri="http://purl.org/dc/dcmitype/"/>
+    <ds:schemaRef ds:uri="http://schemas.microsoft.com/office/infopath/2007/PartnerControls"/>
+    <ds:schemaRef ds:uri="http://schemas.microsoft.com/office/2006/documentManagement/types"/>
     <ds:schemaRef ds:uri="http://purl.org/dc/elements/1.1/"/>
     <ds:schemaRef ds:uri="http://schemas.microsoft.com/office/2006/metadata/properties"/>
+    <ds:schemaRef ds:uri="http://purl.org/dc/terms/"/>
+    <ds:schemaRef ds:uri="http://schemas.openxmlformats.org/package/2006/metadata/core-properties"/>
     <ds:schemaRef ds:uri="http://www.w3.org/XML/1998/namespace"/>
-    <ds:schemaRef ds:uri="http://purl.org/dc/dcmitype/"/>
   </ds:schemaRefs>
 </ds:datastoreItem>
 </file>